--- a/ppt/CI-CD-rules.pptx
+++ b/ppt/CI-CD-rules.pptx
@@ -17,21 +17,22 @@
     <p:sldId id="260" r:id="rId11"/>
     <p:sldId id="261" r:id="rId12"/>
     <p:sldId id="282" r:id="rId13"/>
-    <p:sldId id="262" r:id="rId14"/>
-    <p:sldId id="263" r:id="rId15"/>
-    <p:sldId id="266" r:id="rId16"/>
-    <p:sldId id="267" r:id="rId17"/>
-    <p:sldId id="264" r:id="rId18"/>
-    <p:sldId id="279" r:id="rId19"/>
-    <p:sldId id="270" r:id="rId20"/>
-    <p:sldId id="271" r:id="rId21"/>
-    <p:sldId id="280" r:id="rId22"/>
-    <p:sldId id="273" r:id="rId23"/>
-    <p:sldId id="272" r:id="rId24"/>
-    <p:sldId id="281" r:id="rId25"/>
-    <p:sldId id="274" r:id="rId26"/>
-    <p:sldId id="275" r:id="rId27"/>
-    <p:sldId id="276" r:id="rId28"/>
+    <p:sldId id="283" r:id="rId14"/>
+    <p:sldId id="262" r:id="rId15"/>
+    <p:sldId id="263" r:id="rId16"/>
+    <p:sldId id="266" r:id="rId17"/>
+    <p:sldId id="267" r:id="rId18"/>
+    <p:sldId id="264" r:id="rId19"/>
+    <p:sldId id="279" r:id="rId20"/>
+    <p:sldId id="270" r:id="rId21"/>
+    <p:sldId id="271" r:id="rId22"/>
+    <p:sldId id="280" r:id="rId23"/>
+    <p:sldId id="273" r:id="rId24"/>
+    <p:sldId id="272" r:id="rId25"/>
+    <p:sldId id="281" r:id="rId26"/>
+    <p:sldId id="274" r:id="rId27"/>
+    <p:sldId id="275" r:id="rId28"/>
+    <p:sldId id="276" r:id="rId29"/>
   </p:sldIdLst>
   <p:sldSz cx="12192000" cy="6858000"/>
   <p:notesSz cx="6858000" cy="9144000"/>
@@ -3558,22 +3559,43 @@
             <p:ph type="title"/>
           </p:nvPr>
         </p:nvSpPr>
-        <p:spPr/>
+        <p:spPr>
+          <a:xfrm>
+            <a:off x="838200" y="365126"/>
+            <a:ext cx="10515600" cy="1028246"/>
+          </a:xfrm>
+        </p:spPr>
         <p:txBody>
           <a:bodyPr/>
           <a:lstStyle/>
           <a:p>
             <a:r>
-              <a:rPr kumimoji="1" lang="zh-CN" altLang="en-US" dirty="0" smtClean="0"/>
+              <a:rPr kumimoji="1" lang="zh-CN" altLang="en-US" dirty="0"/>
               <a:t>编写</a:t>
             </a:r>
             <a:r>
+              <a:rPr kumimoji="1" lang="en-US" altLang="zh-CN" dirty="0"/>
+              <a:t>.</a:t>
+            </a:r>
+            <a:r>
               <a:rPr kumimoji="1" lang="en-US" altLang="zh-CN" dirty="0" err="1" smtClean="0"/>
-              <a:t>docker-compose.yml</a:t>
-            </a:r>
-            <a:r>
-              <a:rPr kumimoji="1" lang="zh-CN" altLang="en-US" dirty="0" smtClean="0"/>
-              <a:t>文件</a:t>
+              <a:t>drone.yml</a:t>
+            </a:r>
+            <a:r>
+              <a:rPr kumimoji="1" lang="en-US" altLang="zh-CN" dirty="0" smtClean="0"/>
+              <a:t>-</a:t>
+            </a:r>
+            <a:r>
+              <a:rPr kumimoji="1" lang="zh-CN" altLang="en-US" dirty="0" smtClean="0"/>
+              <a:t>镜像增加</a:t>
+            </a:r>
+            <a:r>
+              <a:rPr kumimoji="1" lang="en-US" altLang="zh-CN" dirty="0" smtClean="0"/>
+              <a:t>commit</a:t>
+            </a:r>
+            <a:r>
+              <a:rPr kumimoji="1" lang="zh-CN" altLang="en-US" dirty="0" smtClean="0"/>
+              <a:t>信息等</a:t>
             </a:r>
             <a:endParaRPr kumimoji="1" lang="zh-CN" altLang="en-US" dirty="0"/>
           </a:p>
@@ -3581,7 +3603,7 @@
       </p:sp>
       <p:pic>
         <p:nvPicPr>
-          <p:cNvPr id="4" name="图片 3"/>
+          <p:cNvPr id="5" name="图片 4"/>
           <p:cNvPicPr>
             <a:picLocks noChangeAspect="1"/>
           </p:cNvPicPr>
@@ -3595,18 +3617,247 @@
         </p:blipFill>
         <p:spPr>
           <a:xfrm>
-            <a:off x="4190717" y="1690688"/>
-            <a:ext cx="8001283" cy="4191907"/>
+            <a:off x="3771900" y="3378200"/>
+            <a:ext cx="8420100" cy="3479800"/>
           </a:xfrm>
           <a:prstGeom prst="rect">
             <a:avLst/>
           </a:prstGeom>
         </p:spPr>
       </p:pic>
+      <p:sp>
+        <p:nvSpPr>
+          <p:cNvPr id="6" name="文本框 5"/>
+          <p:cNvSpPr txBox="1"/>
+          <p:nvPr/>
+        </p:nvSpPr>
+        <p:spPr>
+          <a:xfrm>
+            <a:off x="856343" y="1857829"/>
+            <a:ext cx="5721438" cy="369332"/>
+          </a:xfrm>
+          <a:prstGeom prst="rect">
+            <a:avLst/>
+          </a:prstGeom>
+          <a:noFill/>
+        </p:spPr>
+        <p:txBody>
+          <a:bodyPr wrap="none" rtlCol="0">
+            <a:spAutoFit/>
+          </a:bodyPr>
+          <a:lstStyle/>
+          <a:p>
+            <a:r>
+              <a:rPr kumimoji="1" lang="zh-CN" altLang="en-US" dirty="0" smtClean="0"/>
+              <a:t> </a:t>
+            </a:r>
+            <a:r>
+              <a:rPr kumimoji="1" lang="zh-CN" altLang="en-US" dirty="0" smtClean="0"/>
+              <a:t>为了根据镜像可以寻找到对应的代码，设置如下标签</a:t>
+            </a:r>
+            <a:endParaRPr kumimoji="1" lang="zh-CN" altLang="en-US" dirty="0"/>
+          </a:p>
+        </p:txBody>
+      </p:sp>
+      <p:pic>
+        <p:nvPicPr>
+          <p:cNvPr id="7" name="图片 6"/>
+          <p:cNvPicPr>
+            <a:picLocks noChangeAspect="1"/>
+          </p:cNvPicPr>
+          <p:nvPr/>
+        </p:nvPicPr>
+        <p:blipFill>
+          <a:blip r:embed="rId3"/>
+          <a:stretch>
+            <a:fillRect/>
+          </a:stretch>
+        </p:blipFill>
+        <p:spPr>
+          <a:xfrm>
+            <a:off x="856343" y="2677229"/>
+            <a:ext cx="5232400" cy="660400"/>
+          </a:xfrm>
+          <a:prstGeom prst="rect">
+            <a:avLst/>
+          </a:prstGeom>
+        </p:spPr>
+      </p:pic>
+      <p:pic>
+        <p:nvPicPr>
+          <p:cNvPr id="8" name="图片 7"/>
+          <p:cNvPicPr>
+            <a:picLocks noChangeAspect="1"/>
+          </p:cNvPicPr>
+          <p:nvPr/>
+        </p:nvPicPr>
+        <p:blipFill>
+          <a:blip r:embed="rId4"/>
+          <a:stretch>
+            <a:fillRect/>
+          </a:stretch>
+        </p:blipFill>
+        <p:spPr>
+          <a:xfrm>
+            <a:off x="5956300" y="2686816"/>
+            <a:ext cx="6235700" cy="622300"/>
+          </a:xfrm>
+          <a:prstGeom prst="rect">
+            <a:avLst/>
+          </a:prstGeom>
+        </p:spPr>
+      </p:pic>
+      <p:sp>
+        <p:nvSpPr>
+          <p:cNvPr id="10" name="文本框 9"/>
+          <p:cNvSpPr txBox="1"/>
+          <p:nvPr/>
+        </p:nvSpPr>
+        <p:spPr>
+          <a:xfrm>
+            <a:off x="856343" y="4049485"/>
+            <a:ext cx="2722155" cy="1477328"/>
+          </a:xfrm>
+          <a:prstGeom prst="rect">
+            <a:avLst/>
+          </a:prstGeom>
+          <a:noFill/>
+        </p:spPr>
+        <p:txBody>
+          <a:bodyPr wrap="none" rtlCol="0">
+            <a:spAutoFit/>
+          </a:bodyPr>
+          <a:lstStyle/>
+          <a:p>
+            <a:r>
+              <a:rPr kumimoji="1" lang="zh-CN" altLang="en-US" dirty="0" smtClean="0"/>
+              <a:t>所以测试人员测试出</a:t>
+            </a:r>
+          </a:p>
+          <a:p>
+            <a:r>
+              <a:rPr kumimoji="1" lang="zh-CN" altLang="en-US" dirty="0" smtClean="0"/>
+              <a:t>哪个镜像有问题就可以</a:t>
+            </a:r>
+          </a:p>
+          <a:p>
+            <a:r>
+              <a:rPr kumimoji="1" lang="zh-CN" altLang="en-US" dirty="0" smtClean="0"/>
+              <a:t>根据容器的</a:t>
+            </a:r>
+            <a:r>
+              <a:rPr kumimoji="1" lang="en-US" altLang="zh-CN" dirty="0" smtClean="0"/>
+              <a:t>Labels</a:t>
+            </a:r>
+            <a:r>
+              <a:rPr kumimoji="1" lang="zh-CN" altLang="en-US" dirty="0" smtClean="0"/>
+              <a:t>信息</a:t>
+            </a:r>
+          </a:p>
+          <a:p>
+            <a:r>
+              <a:rPr kumimoji="1" lang="zh-CN" altLang="en-US" dirty="0" smtClean="0"/>
+              <a:t>找到对应代码的</a:t>
+            </a:r>
+            <a:r>
+              <a:rPr kumimoji="1" lang="en-US" altLang="zh-CN" dirty="0" smtClean="0"/>
+              <a:t>commit</a:t>
+            </a:r>
+            <a:endParaRPr kumimoji="1" lang="zh-CN" altLang="en-US" dirty="0" smtClean="0"/>
+          </a:p>
+          <a:p>
+            <a:r>
+              <a:rPr kumimoji="1" lang="en-US" altLang="zh-CN" dirty="0" smtClean="0"/>
+              <a:t>id</a:t>
+            </a:r>
+            <a:r>
+              <a:rPr kumimoji="1" lang="zh-CN" altLang="en-US" dirty="0" smtClean="0"/>
+              <a:t>回溯到对应的代码中去</a:t>
+            </a:r>
+            <a:endParaRPr kumimoji="1" lang="zh-CN" altLang="en-US" dirty="0"/>
+          </a:p>
+        </p:txBody>
+      </p:sp>
+      <p:sp>
+        <p:nvSpPr>
+          <p:cNvPr id="11" name="文本框 10"/>
+          <p:cNvSpPr txBox="1"/>
+          <p:nvPr/>
+        </p:nvSpPr>
+        <p:spPr>
+          <a:xfrm>
+            <a:off x="943429" y="2394857"/>
+            <a:ext cx="1561646" cy="369332"/>
+          </a:xfrm>
+          <a:prstGeom prst="rect">
+            <a:avLst/>
+          </a:prstGeom>
+          <a:noFill/>
+        </p:spPr>
+        <p:txBody>
+          <a:bodyPr wrap="none" rtlCol="0">
+            <a:spAutoFit/>
+          </a:bodyPr>
+          <a:lstStyle/>
+          <a:p>
+            <a:r>
+              <a:rPr kumimoji="1" lang="zh-CN" altLang="en-US" dirty="0" smtClean="0"/>
+              <a:t>容器</a:t>
+            </a:r>
+            <a:r>
+              <a:rPr kumimoji="1" lang="en-US" altLang="zh-CN" dirty="0" smtClean="0"/>
+              <a:t>label</a:t>
+            </a:r>
+            <a:r>
+              <a:rPr kumimoji="1" lang="zh-CN" altLang="en-US" dirty="0" smtClean="0"/>
+              <a:t>信息</a:t>
+            </a:r>
+            <a:endParaRPr kumimoji="1" lang="zh-CN" altLang="en-US" dirty="0"/>
+          </a:p>
+        </p:txBody>
+      </p:sp>
+      <p:sp>
+        <p:nvSpPr>
+          <p:cNvPr id="12" name="文本框 11"/>
+          <p:cNvSpPr txBox="1"/>
+          <p:nvPr/>
+        </p:nvSpPr>
+        <p:spPr>
+          <a:xfrm>
+            <a:off x="6444343" y="2438400"/>
+            <a:ext cx="1802096" cy="369332"/>
+          </a:xfrm>
+          <a:prstGeom prst="rect">
+            <a:avLst/>
+          </a:prstGeom>
+          <a:noFill/>
+        </p:spPr>
+        <p:txBody>
+          <a:bodyPr wrap="none" rtlCol="0">
+            <a:spAutoFit/>
+          </a:bodyPr>
+          <a:lstStyle/>
+          <a:p>
+            <a:r>
+              <a:rPr kumimoji="1" lang="en-US" altLang="zh-CN" dirty="0" err="1" smtClean="0"/>
+              <a:t>Gogs</a:t>
+            </a:r>
+            <a:r>
+              <a:rPr kumimoji="1" lang="zh-CN" altLang="en-US" dirty="0" smtClean="0"/>
+              <a:t> 提交历史</a:t>
+            </a:r>
+            <a:r>
+              <a:rPr kumimoji="1" lang="en-US" altLang="zh-CN" dirty="0" smtClean="0"/>
+              <a:t>id</a:t>
+            </a:r>
+            <a:endParaRPr kumimoji="1" lang="zh-CN" altLang="en-US" dirty="0"/>
+          </a:p>
+        </p:txBody>
+      </p:sp>
     </p:spTree>
     <p:extLst>
       <p:ext uri="{BB962C8B-B14F-4D97-AF65-F5344CB8AC3E}">
-        <p14:creationId xmlns:p14="http://schemas.microsoft.com/office/powerpoint/2010/main" val="1012502954"/>
+        <p14:creationId xmlns:p14="http://schemas.microsoft.com/office/powerpoint/2010/main" val="468703135"/>
       </p:ext>
     </p:extLst>
   </p:cSld>
@@ -3649,12 +3900,16 @@
           <a:lstStyle/>
           <a:p>
             <a:r>
-              <a:rPr kumimoji="1" lang="en-US" altLang="zh-CN" dirty="0" smtClean="0"/>
-              <a:t>push</a:t>
-            </a:r>
-            <a:r>
-              <a:rPr kumimoji="1" lang="zh-CN" altLang="en-US" dirty="0" smtClean="0"/>
-              <a:t>代码触发构建</a:t>
+              <a:rPr kumimoji="1" lang="zh-CN" altLang="en-US" dirty="0" smtClean="0"/>
+              <a:t>编写</a:t>
+            </a:r>
+            <a:r>
+              <a:rPr kumimoji="1" lang="en-US" altLang="zh-CN" dirty="0" err="1" smtClean="0"/>
+              <a:t>docker-compose.yml</a:t>
+            </a:r>
+            <a:r>
+              <a:rPr kumimoji="1" lang="zh-CN" altLang="en-US" dirty="0" smtClean="0"/>
+              <a:t>文件</a:t>
             </a:r>
             <a:endParaRPr kumimoji="1" lang="zh-CN" altLang="en-US" dirty="0"/>
           </a:p>
@@ -3662,7 +3917,7 @@
       </p:sp>
       <p:pic>
         <p:nvPicPr>
-          <p:cNvPr id="5" name="图片 4"/>
+          <p:cNvPr id="4" name="图片 3"/>
           <p:cNvPicPr>
             <a:picLocks noChangeAspect="1"/>
           </p:cNvPicPr>
@@ -3676,84 +3931,18 @@
         </p:blipFill>
         <p:spPr>
           <a:xfrm>
-            <a:off x="838200" y="1553029"/>
-            <a:ext cx="6896100" cy="2794000"/>
+            <a:off x="4190717" y="1690688"/>
+            <a:ext cx="8001283" cy="4191907"/>
           </a:xfrm>
           <a:prstGeom prst="rect">
             <a:avLst/>
           </a:prstGeom>
         </p:spPr>
       </p:pic>
-      <p:pic>
-        <p:nvPicPr>
-          <p:cNvPr id="6" name="图片 5"/>
-          <p:cNvPicPr>
-            <a:picLocks noChangeAspect="1"/>
-          </p:cNvPicPr>
-          <p:nvPr/>
-        </p:nvPicPr>
-        <p:blipFill>
-          <a:blip r:embed="rId3"/>
-          <a:stretch>
-            <a:fillRect/>
-          </a:stretch>
-        </p:blipFill>
-        <p:spPr>
-          <a:xfrm>
-            <a:off x="5274128" y="3155043"/>
-            <a:ext cx="6375400" cy="3479800"/>
-          </a:xfrm>
-          <a:prstGeom prst="rect">
-            <a:avLst/>
-          </a:prstGeom>
-        </p:spPr>
-      </p:pic>
-      <p:sp>
-        <p:nvSpPr>
-          <p:cNvPr id="7" name="文本框 6"/>
-          <p:cNvSpPr txBox="1"/>
-          <p:nvPr/>
-        </p:nvSpPr>
-        <p:spPr>
-          <a:xfrm>
-            <a:off x="8403771" y="1320800"/>
-            <a:ext cx="3736407" cy="369332"/>
-          </a:xfrm>
-          <a:prstGeom prst="rect">
-            <a:avLst/>
-          </a:prstGeom>
-          <a:noFill/>
-        </p:spPr>
-        <p:txBody>
-          <a:bodyPr wrap="none" rtlCol="0">
-            <a:spAutoFit/>
-          </a:bodyPr>
-          <a:lstStyle/>
-          <a:p>
-            <a:r>
-              <a:rPr kumimoji="1" lang="en-US" altLang="zh-CN" dirty="0" smtClean="0"/>
-              <a:t>push</a:t>
-            </a:r>
-            <a:r>
-              <a:rPr kumimoji="1" lang="zh-CN" altLang="en-US" dirty="0" smtClean="0"/>
-              <a:t>结束就可以看到</a:t>
-            </a:r>
-            <a:r>
-              <a:rPr kumimoji="1" lang="en-US" altLang="zh-CN" dirty="0" smtClean="0"/>
-              <a:t>drone</a:t>
-            </a:r>
-            <a:r>
-              <a:rPr kumimoji="1" lang="zh-CN" altLang="en-US" dirty="0" smtClean="0"/>
-              <a:t>在构建了</a:t>
-            </a:r>
-            <a:endParaRPr kumimoji="1" lang="zh-CN" altLang="en-US" dirty="0"/>
-          </a:p>
-        </p:txBody>
-      </p:sp>
     </p:spTree>
     <p:extLst>
       <p:ext uri="{BB962C8B-B14F-4D97-AF65-F5344CB8AC3E}">
-        <p14:creationId xmlns:p14="http://schemas.microsoft.com/office/powerpoint/2010/main" val="188213258"/>
+        <p14:creationId xmlns:p14="http://schemas.microsoft.com/office/powerpoint/2010/main" val="1012502954"/>
       </p:ext>
     </p:extLst>
   </p:cSld>
@@ -3797,11 +3986,11 @@
           <a:p>
             <a:r>
               <a:rPr kumimoji="1" lang="en-US" altLang="zh-CN" dirty="0" smtClean="0"/>
-              <a:t>Push</a:t>
-            </a:r>
-            <a:r>
-              <a:rPr kumimoji="1" lang="zh-CN" altLang="en-US" dirty="0" smtClean="0"/>
-              <a:t> 触发构建</a:t>
+              <a:t>push</a:t>
+            </a:r>
+            <a:r>
+              <a:rPr kumimoji="1" lang="zh-CN" altLang="en-US" dirty="0" smtClean="0"/>
+              <a:t>代码触发构建</a:t>
             </a:r>
             <a:endParaRPr kumimoji="1" lang="zh-CN" altLang="en-US" dirty="0"/>
           </a:p>
@@ -3809,7 +3998,7 @@
       </p:sp>
       <p:pic>
         <p:nvPicPr>
-          <p:cNvPr id="4" name="图片 3"/>
+          <p:cNvPr id="5" name="图片 4"/>
           <p:cNvPicPr>
             <a:picLocks noChangeAspect="1"/>
           </p:cNvPicPr>
@@ -3823,18 +4012,84 @@
         </p:blipFill>
         <p:spPr>
           <a:xfrm>
-            <a:off x="145316" y="1690688"/>
-            <a:ext cx="11901367" cy="4069024"/>
+            <a:off x="838200" y="1553029"/>
+            <a:ext cx="6896100" cy="2794000"/>
           </a:xfrm>
           <a:prstGeom prst="rect">
             <a:avLst/>
           </a:prstGeom>
         </p:spPr>
       </p:pic>
+      <p:pic>
+        <p:nvPicPr>
+          <p:cNvPr id="6" name="图片 5"/>
+          <p:cNvPicPr>
+            <a:picLocks noChangeAspect="1"/>
+          </p:cNvPicPr>
+          <p:nvPr/>
+        </p:nvPicPr>
+        <p:blipFill>
+          <a:blip r:embed="rId3"/>
+          <a:stretch>
+            <a:fillRect/>
+          </a:stretch>
+        </p:blipFill>
+        <p:spPr>
+          <a:xfrm>
+            <a:off x="5274128" y="3155043"/>
+            <a:ext cx="6375400" cy="3479800"/>
+          </a:xfrm>
+          <a:prstGeom prst="rect">
+            <a:avLst/>
+          </a:prstGeom>
+        </p:spPr>
+      </p:pic>
+      <p:sp>
+        <p:nvSpPr>
+          <p:cNvPr id="7" name="文本框 6"/>
+          <p:cNvSpPr txBox="1"/>
+          <p:nvPr/>
+        </p:nvSpPr>
+        <p:spPr>
+          <a:xfrm>
+            <a:off x="8403771" y="1320800"/>
+            <a:ext cx="3736407" cy="369332"/>
+          </a:xfrm>
+          <a:prstGeom prst="rect">
+            <a:avLst/>
+          </a:prstGeom>
+          <a:noFill/>
+        </p:spPr>
+        <p:txBody>
+          <a:bodyPr wrap="none" rtlCol="0">
+            <a:spAutoFit/>
+          </a:bodyPr>
+          <a:lstStyle/>
+          <a:p>
+            <a:r>
+              <a:rPr kumimoji="1" lang="en-US" altLang="zh-CN" dirty="0" smtClean="0"/>
+              <a:t>push</a:t>
+            </a:r>
+            <a:r>
+              <a:rPr kumimoji="1" lang="zh-CN" altLang="en-US" dirty="0" smtClean="0"/>
+              <a:t>结束就可以看到</a:t>
+            </a:r>
+            <a:r>
+              <a:rPr kumimoji="1" lang="en-US" altLang="zh-CN" dirty="0" smtClean="0"/>
+              <a:t>drone</a:t>
+            </a:r>
+            <a:r>
+              <a:rPr kumimoji="1" lang="zh-CN" altLang="en-US" dirty="0" smtClean="0"/>
+              <a:t>在构建了</a:t>
+            </a:r>
+            <a:endParaRPr kumimoji="1" lang="zh-CN" altLang="en-US" dirty="0"/>
+          </a:p>
+        </p:txBody>
+      </p:sp>
     </p:spTree>
     <p:extLst>
       <p:ext uri="{BB962C8B-B14F-4D97-AF65-F5344CB8AC3E}">
-        <p14:creationId xmlns:p14="http://schemas.microsoft.com/office/powerpoint/2010/main" val="226723382"/>
+        <p14:creationId xmlns:p14="http://schemas.microsoft.com/office/powerpoint/2010/main" val="188213258"/>
       </p:ext>
     </p:extLst>
   </p:cSld>
@@ -3871,12 +4126,7 @@
             <p:ph type="title"/>
           </p:nvPr>
         </p:nvSpPr>
-        <p:spPr>
-          <a:xfrm>
-            <a:off x="838200" y="365125"/>
-            <a:ext cx="3704771" cy="1325563"/>
-          </a:xfrm>
-        </p:spPr>
+        <p:spPr/>
         <p:txBody>
           <a:bodyPr/>
           <a:lstStyle/>
@@ -3887,7 +4137,7 @@
             </a:r>
             <a:r>
               <a:rPr kumimoji="1" lang="zh-CN" altLang="en-US" dirty="0" smtClean="0"/>
-              <a:t>触发构建</a:t>
+              <a:t> 触发构建</a:t>
             </a:r>
             <a:endParaRPr kumimoji="1" lang="zh-CN" altLang="en-US" dirty="0"/>
           </a:p>
@@ -3909,106 +4159,18 @@
         </p:blipFill>
         <p:spPr>
           <a:xfrm>
-            <a:off x="174172" y="1690688"/>
-            <a:ext cx="11727542" cy="1413387"/>
+            <a:off x="145316" y="1690688"/>
+            <a:ext cx="11901367" cy="4069024"/>
           </a:xfrm>
           <a:prstGeom prst="rect">
             <a:avLst/>
           </a:prstGeom>
         </p:spPr>
       </p:pic>
-      <p:pic>
-        <p:nvPicPr>
-          <p:cNvPr id="5" name="图片 4"/>
-          <p:cNvPicPr>
-            <a:picLocks noChangeAspect="1"/>
-          </p:cNvPicPr>
-          <p:nvPr/>
-        </p:nvPicPr>
-        <p:blipFill>
-          <a:blip r:embed="rId3"/>
-          <a:stretch>
-            <a:fillRect/>
-          </a:stretch>
-        </p:blipFill>
-        <p:spPr>
-          <a:xfrm>
-            <a:off x="174172" y="3365500"/>
-            <a:ext cx="11607800" cy="3492500"/>
-          </a:xfrm>
-          <a:prstGeom prst="rect">
-            <a:avLst/>
-          </a:prstGeom>
-        </p:spPr>
-      </p:pic>
-      <p:sp>
-        <p:nvSpPr>
-          <p:cNvPr id="6" name="文本框 5"/>
-          <p:cNvSpPr txBox="1"/>
-          <p:nvPr/>
-        </p:nvSpPr>
-        <p:spPr>
-          <a:xfrm>
-            <a:off x="5805714" y="704740"/>
-            <a:ext cx="5352234" cy="646331"/>
-          </a:xfrm>
-          <a:prstGeom prst="rect">
-            <a:avLst/>
-          </a:prstGeom>
-          <a:noFill/>
-        </p:spPr>
-        <p:txBody>
-          <a:bodyPr wrap="none" rtlCol="0">
-            <a:spAutoFit/>
-          </a:bodyPr>
-          <a:lstStyle/>
-          <a:p>
-            <a:r>
-              <a:rPr kumimoji="1" lang="zh-CN" altLang="en-US" dirty="0" smtClean="0"/>
-              <a:t>可以看到</a:t>
-            </a:r>
-            <a:r>
-              <a:rPr kumimoji="1" lang="en-US" altLang="zh-CN" dirty="0" smtClean="0"/>
-              <a:t>drone</a:t>
-            </a:r>
-            <a:r>
-              <a:rPr kumimoji="1" lang="zh-CN" altLang="en-US" dirty="0" smtClean="0"/>
-              <a:t>构建成功后就自动</a:t>
-            </a:r>
-            <a:r>
-              <a:rPr kumimoji="1" lang="en-US" altLang="zh-CN" dirty="0" smtClean="0"/>
-              <a:t>push</a:t>
-            </a:r>
-            <a:r>
-              <a:rPr kumimoji="1" lang="zh-CN" altLang="en-US" dirty="0" smtClean="0"/>
-              <a:t>到了镜像仓库</a:t>
-            </a:r>
-          </a:p>
-          <a:p>
-            <a:r>
-              <a:rPr kumimoji="1" lang="zh-CN" altLang="en-US" dirty="0" smtClean="0"/>
-              <a:t>仓库的地址用户什么的都在</a:t>
-            </a:r>
-            <a:r>
-              <a:rPr kumimoji="1" lang="en-US" altLang="zh-CN" dirty="0" smtClean="0"/>
-              <a:t>.</a:t>
-            </a:r>
-            <a:r>
-              <a:rPr kumimoji="1" lang="en-US" altLang="zh-CN" dirty="0" err="1" smtClean="0"/>
-              <a:t>drone.yml</a:t>
-            </a:r>
-            <a:r>
-              <a:rPr kumimoji="1" lang="zh-CN" altLang="en-US" dirty="0" smtClean="0"/>
-              <a:t>里面配置</a:t>
-            </a:r>
-            <a:endParaRPr kumimoji="1" lang="zh-CN" altLang="en-US" dirty="0"/>
-          </a:p>
-        </p:txBody>
-      </p:sp>
     </p:spTree>
     <p:extLst>
       <p:ext uri="{BB962C8B-B14F-4D97-AF65-F5344CB8AC3E}">
-        <p14:creationId xmlns:p14="http://schemas.microsoft.com/office/powerpoint/2010/main" val="1318141009"/>
+        <p14:creationId xmlns:p14="http://schemas.microsoft.com/office/powerpoint/2010/main" val="226723382"/>
       </p:ext>
     </p:extLst>
   </p:cSld>
@@ -4045,18 +4207,23 @@
             <p:ph type="title"/>
           </p:nvPr>
         </p:nvSpPr>
-        <p:spPr/>
+        <p:spPr>
+          <a:xfrm>
+            <a:off x="838200" y="365125"/>
+            <a:ext cx="3704771" cy="1325563"/>
+          </a:xfrm>
+        </p:spPr>
         <p:txBody>
           <a:bodyPr/>
           <a:lstStyle/>
           <a:p>
             <a:r>
               <a:rPr kumimoji="1" lang="en-US" altLang="zh-CN" dirty="0" smtClean="0"/>
-              <a:t>push</a:t>
-            </a:r>
-            <a:r>
-              <a:rPr kumimoji="1" lang="zh-CN" altLang="en-US" dirty="0" smtClean="0"/>
-              <a:t>代码但不构建</a:t>
+              <a:t>Push</a:t>
+            </a:r>
+            <a:r>
+              <a:rPr kumimoji="1" lang="zh-CN" altLang="en-US" dirty="0" smtClean="0"/>
+              <a:t>触发构建</a:t>
             </a:r>
             <a:endParaRPr kumimoji="1" lang="zh-CN" altLang="en-US" dirty="0"/>
           </a:p>
@@ -4078,24 +4245,48 @@
         </p:blipFill>
         <p:spPr>
           <a:xfrm>
-            <a:off x="838200" y="1859642"/>
-            <a:ext cx="10078190" cy="3409043"/>
+            <a:off x="174172" y="1690688"/>
+            <a:ext cx="11727542" cy="1413387"/>
           </a:xfrm>
           <a:prstGeom prst="rect">
             <a:avLst/>
           </a:prstGeom>
         </p:spPr>
       </p:pic>
-      <p:sp>
-        <p:nvSpPr>
-          <p:cNvPr id="5" name="文本框 4"/>
+      <p:pic>
+        <p:nvPicPr>
+          <p:cNvPr id="5" name="图片 4"/>
+          <p:cNvPicPr>
+            <a:picLocks noChangeAspect="1"/>
+          </p:cNvPicPr>
+          <p:nvPr/>
+        </p:nvPicPr>
+        <p:blipFill>
+          <a:blip r:embed="rId3"/>
+          <a:stretch>
+            <a:fillRect/>
+          </a:stretch>
+        </p:blipFill>
+        <p:spPr>
+          <a:xfrm>
+            <a:off x="174172" y="3365500"/>
+            <a:ext cx="11607800" cy="3492500"/>
+          </a:xfrm>
+          <a:prstGeom prst="rect">
+            <a:avLst/>
+          </a:prstGeom>
+        </p:spPr>
+      </p:pic>
+      <p:sp>
+        <p:nvSpPr>
+          <p:cNvPr id="6" name="文本框 5"/>
           <p:cNvSpPr txBox="1"/>
           <p:nvPr/>
         </p:nvSpPr>
         <p:spPr>
           <a:xfrm>
-            <a:off x="1596571" y="6008914"/>
-            <a:ext cx="5246693" cy="369332"/>
+            <a:off x="5805714" y="704740"/>
+            <a:ext cx="5352234" cy="646331"/>
           </a:xfrm>
           <a:prstGeom prst="rect">
             <a:avLst/>
@@ -4114,27 +4305,37 @@
             </a:r>
             <a:r>
               <a:rPr kumimoji="1" lang="en-US" altLang="zh-CN" dirty="0" smtClean="0"/>
-              <a:t>commit</a:t>
-            </a:r>
-            <a:r>
-              <a:rPr kumimoji="1" lang="zh-CN" altLang="en-US" dirty="0" smtClean="0"/>
-              <a:t>时加上 </a:t>
+              <a:t>drone</a:t>
+            </a:r>
+            <a:r>
+              <a:rPr kumimoji="1" lang="zh-CN" altLang="en-US" dirty="0" smtClean="0"/>
+              <a:t>构建成功后就自动</a:t>
             </a:r>
             <a:r>
               <a:rPr kumimoji="1" lang="en-US" altLang="zh-CN" dirty="0" smtClean="0"/>
-              <a:t>[CI</a:t>
-            </a:r>
-            <a:r>
-              <a:rPr kumimoji="1" lang="zh-CN" altLang="en-US" dirty="0" smtClean="0"/>
-              <a:t> </a:t>
+              <a:t>push</a:t>
+            </a:r>
+            <a:r>
+              <a:rPr kumimoji="1" lang="zh-CN" altLang="en-US" dirty="0" smtClean="0"/>
+              <a:t>到了镜像仓库</a:t>
+            </a:r>
+          </a:p>
+          <a:p>
+            <a:r>
+              <a:rPr kumimoji="1" lang="zh-CN" altLang="en-US" dirty="0" smtClean="0"/>
+              <a:t>仓库的地址用户什么的都在</a:t>
             </a:r>
             <a:r>
               <a:rPr kumimoji="1" lang="en-US" altLang="zh-CN" dirty="0" smtClean="0"/>
-              <a:t>SKIP]</a:t>
-            </a:r>
-            <a:r>
-              <a:rPr kumimoji="1" lang="zh-CN" altLang="en-US" dirty="0" smtClean="0"/>
-              <a:t> 就不会构建镜像了</a:t>
+              <a:t>.</a:t>
+            </a:r>
+            <a:r>
+              <a:rPr kumimoji="1" lang="en-US" altLang="zh-CN" dirty="0" err="1" smtClean="0"/>
+              <a:t>drone.yml</a:t>
+            </a:r>
+            <a:r>
+              <a:rPr kumimoji="1" lang="zh-CN" altLang="en-US" dirty="0" smtClean="0"/>
+              <a:t>里面配置</a:t>
             </a:r>
             <a:endParaRPr kumimoji="1" lang="zh-CN" altLang="en-US" dirty="0"/>
           </a:p>
@@ -4143,7 +4344,7 @@
     </p:spTree>
     <p:extLst>
       <p:ext uri="{BB962C8B-B14F-4D97-AF65-F5344CB8AC3E}">
-        <p14:creationId xmlns:p14="http://schemas.microsoft.com/office/powerpoint/2010/main" val="1472713773"/>
+        <p14:creationId xmlns:p14="http://schemas.microsoft.com/office/powerpoint/2010/main" val="1318141009"/>
       </p:ext>
     </p:extLst>
   </p:cSld>
@@ -4172,12 +4373,12 @@
       </p:grpSpPr>
       <p:sp>
         <p:nvSpPr>
-          <p:cNvPr id="3" name="内容占位符 2"/>
-          <p:cNvSpPr>
-            <a:spLocks noGrp="1"/>
-          </p:cNvSpPr>
-          <p:nvPr>
-            <p:ph idx="1"/>
+          <p:cNvPr id="2" name="标题 1"/>
+          <p:cNvSpPr>
+            <a:spLocks noGrp="1"/>
+          </p:cNvSpPr>
+          <p:nvPr>
+            <p:ph type="title"/>
           </p:nvPr>
         </p:nvSpPr>
         <p:spPr/>
@@ -4186,51 +4387,91 @@
           <a:lstStyle/>
           <a:p>
             <a:r>
-              <a:rPr kumimoji="1" lang="zh-CN" altLang="en-US" dirty="0"/>
-              <a:t>持续集成架构概览</a:t>
-            </a:r>
-          </a:p>
-          <a:p>
-            <a:r>
               <a:rPr kumimoji="1" lang="en-US" altLang="zh-CN" dirty="0" smtClean="0"/>
-              <a:t>CI</a:t>
-            </a:r>
-            <a:r>
-              <a:rPr kumimoji="1" lang="zh-CN" altLang="en-US" dirty="0" smtClean="0"/>
-              <a:t>使用</a:t>
-            </a:r>
-            <a:r>
-              <a:rPr kumimoji="1" lang="zh-CN" altLang="en-US" dirty="0"/>
-              <a:t>教程</a:t>
-            </a:r>
-          </a:p>
-          <a:p>
-            <a:r>
-              <a:rPr kumimoji="1" lang="zh-CN" altLang="en-US" dirty="0">
-                <a:solidFill>
-                  <a:srgbClr val="FF0000"/>
-                </a:solidFill>
-              </a:rPr>
-              <a:t>开发人员行为准则</a:t>
-            </a:r>
-          </a:p>
-          <a:p>
-            <a:r>
-              <a:rPr kumimoji="1" lang="zh-CN" altLang="en-US" dirty="0"/>
-              <a:t>镜像交付</a:t>
-            </a:r>
-          </a:p>
-          <a:p>
-            <a:r>
-              <a:rPr kumimoji="1" lang="en-US" altLang="zh-CN" dirty="0"/>
-              <a:t>compose</a:t>
-            </a:r>
-            <a:r>
-              <a:rPr kumimoji="1" lang="zh-CN" altLang="en-US" dirty="0"/>
-              <a:t>文件交付</a:t>
-            </a:r>
-          </a:p>
-          <a:p>
+              <a:t>push</a:t>
+            </a:r>
+            <a:r>
+              <a:rPr kumimoji="1" lang="zh-CN" altLang="en-US" dirty="0" smtClean="0"/>
+              <a:t>代码但不构建</a:t>
+            </a:r>
+            <a:endParaRPr kumimoji="1" lang="zh-CN" altLang="en-US" dirty="0"/>
+          </a:p>
+        </p:txBody>
+      </p:sp>
+      <p:pic>
+        <p:nvPicPr>
+          <p:cNvPr id="4" name="图片 3"/>
+          <p:cNvPicPr>
+            <a:picLocks noChangeAspect="1"/>
+          </p:cNvPicPr>
+          <p:nvPr/>
+        </p:nvPicPr>
+        <p:blipFill>
+          <a:blip r:embed="rId2"/>
+          <a:stretch>
+            <a:fillRect/>
+          </a:stretch>
+        </p:blipFill>
+        <p:spPr>
+          <a:xfrm>
+            <a:off x="838200" y="1859642"/>
+            <a:ext cx="10078190" cy="3409043"/>
+          </a:xfrm>
+          <a:prstGeom prst="rect">
+            <a:avLst/>
+          </a:prstGeom>
+        </p:spPr>
+      </p:pic>
+      <p:sp>
+        <p:nvSpPr>
+          <p:cNvPr id="5" name="文本框 4"/>
+          <p:cNvSpPr txBox="1"/>
+          <p:nvPr/>
+        </p:nvSpPr>
+        <p:spPr>
+          <a:xfrm>
+            <a:off x="1596571" y="6008914"/>
+            <a:ext cx="5246693" cy="369332"/>
+          </a:xfrm>
+          <a:prstGeom prst="rect">
+            <a:avLst/>
+          </a:prstGeom>
+          <a:noFill/>
+        </p:spPr>
+        <p:txBody>
+          <a:bodyPr wrap="none" rtlCol="0">
+            <a:spAutoFit/>
+          </a:bodyPr>
+          <a:lstStyle/>
+          <a:p>
+            <a:r>
+              <a:rPr kumimoji="1" lang="zh-CN" altLang="en-US" dirty="0" smtClean="0"/>
+              <a:t>可以看到</a:t>
+            </a:r>
+            <a:r>
+              <a:rPr kumimoji="1" lang="en-US" altLang="zh-CN" dirty="0" smtClean="0"/>
+              <a:t>commit</a:t>
+            </a:r>
+            <a:r>
+              <a:rPr kumimoji="1" lang="zh-CN" altLang="en-US" dirty="0" smtClean="0"/>
+              <a:t>时加上 </a:t>
+            </a:r>
+            <a:r>
+              <a:rPr kumimoji="1" lang="en-US" altLang="zh-CN" dirty="0" smtClean="0"/>
+              <a:t>[CI</a:t>
+            </a:r>
+            <a:r>
+              <a:rPr kumimoji="1" lang="zh-CN" altLang="en-US" dirty="0" smtClean="0"/>
+              <a:t> </a:t>
+            </a:r>
+            <a:r>
+              <a:rPr kumimoji="1" lang="en-US" altLang="zh-CN" dirty="0" smtClean="0"/>
+              <a:t>SKIP]</a:t>
+            </a:r>
+            <a:r>
+              <a:rPr kumimoji="1" lang="zh-CN" altLang="en-US" dirty="0" smtClean="0"/>
+              <a:t> 就不会构建镜像了</a:t>
+            </a:r>
             <a:endParaRPr kumimoji="1" lang="zh-CN" altLang="en-US" dirty="0"/>
           </a:p>
         </p:txBody>
@@ -4238,7 +4479,7 @@
     </p:spTree>
     <p:extLst>
       <p:ext uri="{BB962C8B-B14F-4D97-AF65-F5344CB8AC3E}">
-        <p14:creationId xmlns:p14="http://schemas.microsoft.com/office/powerpoint/2010/main" val="968338082"/>
+        <p14:creationId xmlns:p14="http://schemas.microsoft.com/office/powerpoint/2010/main" val="1472713773"/>
       </p:ext>
     </p:extLst>
   </p:cSld>
@@ -4267,186 +4508,65 @@
       </p:grpSpPr>
       <p:sp>
         <p:nvSpPr>
-          <p:cNvPr id="2" name="标题 1"/>
-          <p:cNvSpPr>
-            <a:spLocks noGrp="1"/>
-          </p:cNvSpPr>
-          <p:nvPr>
-            <p:ph type="title"/>
-          </p:nvPr>
-        </p:nvSpPr>
-        <p:spPr>
-          <a:xfrm>
-            <a:off x="838200" y="365125"/>
-            <a:ext cx="5040086" cy="970189"/>
-          </a:xfrm>
-        </p:spPr>
+          <p:cNvPr id="3" name="内容占位符 2"/>
+          <p:cNvSpPr>
+            <a:spLocks noGrp="1"/>
+          </p:cNvSpPr>
+          <p:nvPr>
+            <p:ph idx="1"/>
+          </p:nvPr>
+        </p:nvSpPr>
+        <p:spPr/>
         <p:txBody>
           <a:bodyPr/>
           <a:lstStyle/>
           <a:p>
             <a:r>
-              <a:rPr kumimoji="1" lang="zh-CN" altLang="en-US" dirty="0" smtClean="0"/>
-              <a:t>开发</a:t>
-            </a:r>
-            <a:r>
-              <a:rPr kumimoji="1" lang="zh-CN" altLang="en-US" smtClean="0"/>
-              <a:t>人员行为准则</a:t>
-            </a:r>
-            <a:endParaRPr kumimoji="1" lang="zh-CN" altLang="en-US"/>
-          </a:p>
-        </p:txBody>
-      </p:sp>
-      <p:sp>
-        <p:nvSpPr>
-          <p:cNvPr id="3" name="内容占位符 2"/>
-          <p:cNvSpPr>
-            <a:spLocks noGrp="1"/>
-          </p:cNvSpPr>
-          <p:nvPr>
-            <p:ph idx="1"/>
-          </p:nvPr>
-        </p:nvSpPr>
-        <p:spPr>
-          <a:xfrm>
-            <a:off x="838200" y="1335314"/>
-            <a:ext cx="10515600" cy="5297715"/>
-          </a:xfrm>
-        </p:spPr>
-        <p:txBody>
-          <a:bodyPr/>
-          <a:lstStyle/>
-          <a:p>
-            <a:r>
-              <a:rPr kumimoji="1" lang="zh-CN" altLang="en-US" dirty="0" smtClean="0"/>
-              <a:t>开发人员需要提供三个文件</a:t>
-            </a:r>
-          </a:p>
-          <a:p>
-            <a:pPr lvl="1"/>
-            <a:r>
-              <a:rPr kumimoji="1" lang="en-US" altLang="zh-CN" dirty="0" err="1" smtClean="0"/>
-              <a:t>Dockerfile</a:t>
-            </a:r>
-            <a:r>
-              <a:rPr kumimoji="1" lang="zh-CN" altLang="en-US" dirty="0" smtClean="0"/>
-              <a:t> </a:t>
-            </a:r>
+              <a:rPr kumimoji="1" lang="zh-CN" altLang="en-US" dirty="0"/>
+              <a:t>持续集成架构概览</a:t>
+            </a:r>
+          </a:p>
+          <a:p>
             <a:r>
               <a:rPr kumimoji="1" lang="en-US" altLang="zh-CN" dirty="0" smtClean="0"/>
-              <a:t>-</a:t>
-            </a:r>
-            <a:r>
-              <a:rPr kumimoji="1" lang="zh-CN" altLang="en-US" dirty="0" smtClean="0"/>
-              <a:t> 构建镜像规则</a:t>
-            </a:r>
-          </a:p>
-          <a:p>
-            <a:pPr lvl="1"/>
-            <a:r>
-              <a:rPr kumimoji="1" lang="en-US" altLang="zh-CN" dirty="0" smtClean="0"/>
-              <a:t>.</a:t>
-            </a:r>
-            <a:r>
-              <a:rPr kumimoji="1" lang="en-US" altLang="zh-CN" dirty="0" err="1" smtClean="0"/>
-              <a:t>drone.yml</a:t>
-            </a:r>
-            <a:r>
-              <a:rPr kumimoji="1" lang="zh-CN" altLang="en-US" dirty="0" smtClean="0"/>
-              <a:t> </a:t>
-            </a:r>
-            <a:r>
-              <a:rPr kumimoji="1" lang="en-US" altLang="zh-CN" dirty="0" smtClean="0"/>
-              <a:t>–</a:t>
-            </a:r>
-            <a:r>
-              <a:rPr kumimoji="1" lang="zh-CN" altLang="en-US" dirty="0" smtClean="0"/>
-              <a:t> 持续集成配置</a:t>
-            </a:r>
-          </a:p>
-          <a:p>
-            <a:pPr lvl="1"/>
-            <a:r>
-              <a:rPr kumimoji="1" lang="en-US" altLang="zh-CN" dirty="0" err="1" smtClean="0"/>
-              <a:t>docker-compose.yml</a:t>
-            </a:r>
-            <a:r>
-              <a:rPr kumimoji="1" lang="zh-CN" altLang="en-US" dirty="0" smtClean="0"/>
-              <a:t> </a:t>
-            </a:r>
-            <a:r>
-              <a:rPr kumimoji="1" lang="en-US" altLang="zh-CN" dirty="0" smtClean="0"/>
-              <a:t>-</a:t>
-            </a:r>
-            <a:r>
-              <a:rPr kumimoji="1" lang="zh-CN" altLang="en-US" dirty="0" smtClean="0"/>
-              <a:t> 部署配置</a:t>
-            </a:r>
-          </a:p>
-          <a:p>
-            <a:r>
-              <a:rPr kumimoji="1" lang="zh-CN" altLang="en-US" dirty="0" smtClean="0"/>
-              <a:t>关于</a:t>
-            </a:r>
-            <a:r>
-              <a:rPr kumimoji="1" lang="en-US" altLang="zh-CN" dirty="0" err="1" smtClean="0"/>
-              <a:t>docker-compose.yml</a:t>
-            </a:r>
-            <a:r>
-              <a:rPr kumimoji="1" lang="zh-CN" altLang="en-US" dirty="0" smtClean="0"/>
-              <a:t>文件</a:t>
-            </a:r>
-          </a:p>
-          <a:p>
-            <a:pPr lvl="1"/>
-            <a:r>
-              <a:rPr kumimoji="1" lang="zh-CN" altLang="en-US" dirty="0" smtClean="0"/>
-              <a:t>有开发环境，测试环境，和线上部署环境，不同的环境</a:t>
-            </a:r>
-            <a:r>
-              <a:rPr kumimoji="1" lang="en-US" altLang="zh-CN" dirty="0" smtClean="0"/>
+              <a:t>CI</a:t>
+            </a:r>
+            <a:r>
+              <a:rPr kumimoji="1" lang="zh-CN" altLang="en-US" dirty="0" smtClean="0"/>
+              <a:t>使用</a:t>
+            </a:r>
+            <a:r>
+              <a:rPr kumimoji="1" lang="zh-CN" altLang="en-US" dirty="0"/>
+              <a:t>教程</a:t>
+            </a:r>
+          </a:p>
+          <a:p>
+            <a:r>
+              <a:rPr kumimoji="1" lang="zh-CN" altLang="en-US" dirty="0">
+                <a:solidFill>
+                  <a:srgbClr val="FF0000"/>
+                </a:solidFill>
+              </a:rPr>
+              <a:t>开发人员行为准则</a:t>
+            </a:r>
+          </a:p>
+          <a:p>
+            <a:r>
+              <a:rPr kumimoji="1" lang="zh-CN" altLang="en-US" dirty="0"/>
+              <a:t>镜像交付</a:t>
+            </a:r>
+          </a:p>
+          <a:p>
+            <a:r>
+              <a:rPr kumimoji="1" lang="en-US" altLang="zh-CN" dirty="0"/>
               <a:t>compose</a:t>
             </a:r>
             <a:r>
-              <a:rPr kumimoji="1" lang="zh-CN" altLang="en-US" dirty="0" smtClean="0"/>
-              <a:t>文件可能不同，如果不同，开发人员提供多个</a:t>
-            </a:r>
-            <a:r>
-              <a:rPr kumimoji="1" lang="en-US" altLang="zh-CN" dirty="0" smtClean="0"/>
-              <a:t>compose</a:t>
-            </a:r>
-            <a:r>
-              <a:rPr kumimoji="1" lang="zh-CN" altLang="en-US" dirty="0" smtClean="0"/>
-              <a:t>文件</a:t>
-            </a:r>
-          </a:p>
-          <a:p>
-            <a:pPr lvl="1"/>
-            <a:r>
-              <a:rPr kumimoji="1" lang="zh-CN" altLang="en-US" dirty="0" smtClean="0"/>
-              <a:t>保障测试人员和部署人员仅通过</a:t>
-            </a:r>
-            <a:r>
-              <a:rPr kumimoji="1" lang="en-US" altLang="zh-CN" dirty="0" smtClean="0"/>
-              <a:t>compose</a:t>
-            </a:r>
-            <a:r>
-              <a:rPr kumimoji="1" lang="zh-CN" altLang="en-US" dirty="0" smtClean="0"/>
-              <a:t> </a:t>
-            </a:r>
-            <a:r>
-              <a:rPr kumimoji="1" lang="en-US" altLang="zh-CN" dirty="0" smtClean="0"/>
-              <a:t>up</a:t>
-            </a:r>
-            <a:r>
-              <a:rPr kumimoji="1" lang="zh-CN" altLang="en-US" dirty="0" smtClean="0"/>
-              <a:t>命令即可部署完成，而不需要关注业务逻辑和配置。</a:t>
-            </a:r>
-          </a:p>
-          <a:p>
-            <a:pPr marL="0" indent="0">
-              <a:buNone/>
-            </a:pPr>
+              <a:rPr kumimoji="1" lang="zh-CN" altLang="en-US" dirty="0"/>
+              <a:t>文件交付</a:t>
+            </a:r>
+          </a:p>
+          <a:p>
             <a:endParaRPr kumimoji="1" lang="zh-CN" altLang="en-US" dirty="0"/>
           </a:p>
         </p:txBody>
@@ -4454,7 +4574,7 @@
     </p:spTree>
     <p:extLst>
       <p:ext uri="{BB962C8B-B14F-4D97-AF65-F5344CB8AC3E}">
-        <p14:creationId xmlns:p14="http://schemas.microsoft.com/office/powerpoint/2010/main" val="1989833661"/>
+        <p14:creationId xmlns:p14="http://schemas.microsoft.com/office/powerpoint/2010/main" val="968338082"/>
       </p:ext>
     </p:extLst>
   </p:cSld>
@@ -4575,14 +4695,85 @@
             <p:ph type="title"/>
           </p:nvPr>
         </p:nvSpPr>
-        <p:spPr/>
+        <p:spPr>
+          <a:xfrm>
+            <a:off x="838200" y="365125"/>
+            <a:ext cx="5040086" cy="970189"/>
+          </a:xfrm>
+        </p:spPr>
         <p:txBody>
           <a:bodyPr/>
           <a:lstStyle/>
           <a:p>
             <a:r>
               <a:rPr kumimoji="1" lang="zh-CN" altLang="en-US" dirty="0" smtClean="0"/>
-              <a:t>开发人员行为准则 </a:t>
+              <a:t>开发</a:t>
+            </a:r>
+            <a:r>
+              <a:rPr kumimoji="1" lang="zh-CN" altLang="en-US" smtClean="0"/>
+              <a:t>人员行为准则</a:t>
+            </a:r>
+            <a:endParaRPr kumimoji="1" lang="zh-CN" altLang="en-US"/>
+          </a:p>
+        </p:txBody>
+      </p:sp>
+      <p:sp>
+        <p:nvSpPr>
+          <p:cNvPr id="3" name="内容占位符 2"/>
+          <p:cNvSpPr>
+            <a:spLocks noGrp="1"/>
+          </p:cNvSpPr>
+          <p:nvPr>
+            <p:ph idx="1"/>
+          </p:nvPr>
+        </p:nvSpPr>
+        <p:spPr>
+          <a:xfrm>
+            <a:off x="838200" y="1335314"/>
+            <a:ext cx="10515600" cy="5297715"/>
+          </a:xfrm>
+        </p:spPr>
+        <p:txBody>
+          <a:bodyPr/>
+          <a:lstStyle/>
+          <a:p>
+            <a:r>
+              <a:rPr kumimoji="1" lang="zh-CN" altLang="en-US" dirty="0" smtClean="0"/>
+              <a:t>开发人员需要提供三个文件</a:t>
+            </a:r>
+          </a:p>
+          <a:p>
+            <a:pPr lvl="1"/>
+            <a:r>
+              <a:rPr kumimoji="1" lang="en-US" altLang="zh-CN" dirty="0" err="1" smtClean="0"/>
+              <a:t>Dockerfile</a:t>
+            </a:r>
+            <a:r>
+              <a:rPr kumimoji="1" lang="zh-CN" altLang="en-US" dirty="0" smtClean="0"/>
+              <a:t> </a:t>
+            </a:r>
+            <a:r>
+              <a:rPr kumimoji="1" lang="en-US" altLang="zh-CN" dirty="0" smtClean="0"/>
+              <a:t>-</a:t>
+            </a:r>
+            <a:r>
+              <a:rPr kumimoji="1" lang="zh-CN" altLang="en-US" dirty="0" smtClean="0"/>
+              <a:t> 构建镜像规则</a:t>
+            </a:r>
+          </a:p>
+          <a:p>
+            <a:pPr lvl="1"/>
+            <a:r>
+              <a:rPr kumimoji="1" lang="en-US" altLang="zh-CN" dirty="0" smtClean="0"/>
+              <a:t>.</a:t>
+            </a:r>
+            <a:r>
+              <a:rPr kumimoji="1" lang="en-US" altLang="zh-CN" dirty="0" err="1" smtClean="0"/>
+              <a:t>drone.yml</a:t>
+            </a:r>
+            <a:r>
+              <a:rPr kumimoji="1" lang="zh-CN" altLang="en-US" dirty="0" smtClean="0"/>
+              <a:t> </a:t>
             </a:r>
             <a:r>
               <a:rPr kumimoji="1" lang="en-US" altLang="zh-CN" dirty="0" smtClean="0"/>
@@ -4590,178 +4781,92 @@
             </a:r>
             <a:r>
               <a:rPr kumimoji="1" lang="zh-CN" altLang="en-US" dirty="0" smtClean="0"/>
-              <a:t> 业务配置</a:t>
-            </a:r>
-            <a:endParaRPr kumimoji="1" lang="zh-CN" altLang="en-US" dirty="0"/>
-          </a:p>
-        </p:txBody>
-      </p:sp>
-      <p:sp>
-        <p:nvSpPr>
-          <p:cNvPr id="3" name="内容占位符 2"/>
-          <p:cNvSpPr>
-            <a:spLocks noGrp="1"/>
-          </p:cNvSpPr>
-          <p:nvPr>
-            <p:ph idx="1"/>
-          </p:nvPr>
-        </p:nvSpPr>
-        <p:spPr>
-          <a:xfrm>
-            <a:off x="838200" y="1825624"/>
-            <a:ext cx="10515600" cy="2746375"/>
-          </a:xfrm>
-        </p:spPr>
-        <p:txBody>
-          <a:bodyPr>
-            <a:normAutofit fontScale="92500"/>
-          </a:bodyPr>
-          <a:lstStyle/>
-          <a:p>
-            <a:r>
-              <a:rPr kumimoji="1" lang="zh-CN" altLang="en-US" dirty="0" smtClean="0">
-                <a:solidFill>
-                  <a:srgbClr val="FF0000"/>
-                </a:solidFill>
-              </a:rPr>
-              <a:t>禁止使用配置文件</a:t>
-            </a:r>
-            <a:r>
-              <a:rPr kumimoji="1" lang="zh-CN" altLang="en-US" dirty="0" smtClean="0"/>
-              <a:t>，使用其它方式取代，取消配置外挂宿主机操作。</a:t>
+              <a:t> 持续集成配置</a:t>
             </a:r>
           </a:p>
           <a:p>
             <a:pPr lvl="1"/>
-            <a:r>
-              <a:rPr kumimoji="1" lang="zh-CN" altLang="en-US" dirty="0" smtClean="0"/>
-              <a:t>命令行参数</a:t>
-            </a:r>
-          </a:p>
-          <a:p>
-            <a:pPr lvl="2"/>
-            <a:r>
-              <a:rPr kumimoji="1" lang="zh-CN" altLang="en-US" dirty="0" smtClean="0"/>
-              <a:t>使用命令行参数的好处是直接在</a:t>
-            </a:r>
             <a:r>
               <a:rPr kumimoji="1" lang="en-US" altLang="zh-CN" dirty="0" err="1" smtClean="0"/>
               <a:t>docker-compose.yml</a:t>
             </a:r>
             <a:r>
               <a:rPr kumimoji="1" lang="zh-CN" altLang="en-US" dirty="0" smtClean="0"/>
-              <a:t>文件中即可配置业务</a:t>
+              <a:t> </a:t>
+            </a:r>
+            <a:r>
+              <a:rPr kumimoji="1" lang="en-US" altLang="zh-CN" dirty="0" smtClean="0"/>
+              <a:t>-</a:t>
+            </a:r>
+            <a:r>
+              <a:rPr kumimoji="1" lang="zh-CN" altLang="en-US" dirty="0" smtClean="0"/>
+              <a:t> 部署配置</a:t>
+            </a:r>
+          </a:p>
+          <a:p>
+            <a:r>
+              <a:rPr kumimoji="1" lang="zh-CN" altLang="en-US" dirty="0" smtClean="0"/>
+              <a:t>关于</a:t>
+            </a:r>
+            <a:r>
+              <a:rPr kumimoji="1" lang="en-US" altLang="zh-CN" dirty="0" err="1" smtClean="0"/>
+              <a:t>docker-compose.yml</a:t>
+            </a:r>
+            <a:r>
+              <a:rPr kumimoji="1" lang="zh-CN" altLang="en-US" dirty="0" smtClean="0"/>
+              <a:t>文件</a:t>
             </a:r>
           </a:p>
           <a:p>
             <a:pPr lvl="1"/>
             <a:r>
-              <a:rPr kumimoji="1" lang="en-US" altLang="zh-CN" dirty="0" err="1" smtClean="0"/>
-              <a:t>confd</a:t>
-            </a:r>
-            <a:r>
-              <a:rPr kumimoji="1" lang="zh-CN" altLang="en-US" dirty="0" smtClean="0"/>
-              <a:t>管理</a:t>
-            </a:r>
-          </a:p>
-          <a:p>
-            <a:pPr lvl="2"/>
-            <a:r>
-              <a:rPr kumimoji="1" lang="zh-CN" altLang="en-US" dirty="0" smtClean="0"/>
-              <a:t>业务配置比较复杂可以考虑使用</a:t>
-            </a:r>
-            <a:r>
-              <a:rPr kumimoji="1" lang="en-US" altLang="zh-CN" dirty="0" err="1" smtClean="0"/>
-              <a:t>confd</a:t>
-            </a:r>
-            <a:r>
-              <a:rPr kumimoji="1" lang="zh-CN" altLang="en-US" dirty="0" smtClean="0"/>
-              <a:t>管理，</a:t>
-            </a:r>
-            <a:r>
-              <a:rPr kumimoji="1" lang="en-US" altLang="zh-CN" dirty="0" err="1" smtClean="0"/>
-              <a:t>confd</a:t>
-            </a:r>
-            <a:r>
-              <a:rPr kumimoji="1" lang="zh-CN" altLang="en-US" dirty="0" smtClean="0"/>
-              <a:t>可以设置一个配置模板，数据写在</a:t>
-            </a:r>
-            <a:r>
-              <a:rPr kumimoji="1" lang="en-US" altLang="zh-CN" dirty="0" err="1" smtClean="0"/>
-              <a:t>etcd</a:t>
-            </a:r>
-            <a:r>
-              <a:rPr kumimoji="1" lang="zh-CN" altLang="en-US" dirty="0" smtClean="0"/>
-              <a:t>中，容器启动时在</a:t>
-            </a:r>
-            <a:r>
-              <a:rPr kumimoji="1" lang="en-US" altLang="zh-CN" dirty="0" err="1" smtClean="0"/>
-              <a:t>etcd</a:t>
-            </a:r>
-            <a:r>
-              <a:rPr kumimoji="1" lang="zh-CN" altLang="en-US" dirty="0" smtClean="0"/>
-              <a:t>中获取数据填充模板，这样即可不用外挂配置文件，这也是云计算系统中最为推荐的配置管理方式。</a:t>
-            </a:r>
-          </a:p>
-          <a:p>
-            <a:pPr lvl="2"/>
-            <a:r>
-              <a:rPr kumimoji="1" lang="zh-CN" altLang="en-US" dirty="0" smtClean="0"/>
-              <a:t>使用</a:t>
-            </a:r>
-            <a:r>
-              <a:rPr kumimoji="1" lang="en-US" altLang="zh-CN" dirty="0" err="1" smtClean="0"/>
-              <a:t>confd</a:t>
-            </a:r>
-            <a:r>
-              <a:rPr kumimoji="1" lang="zh-CN" altLang="en-US" dirty="0" smtClean="0"/>
-              <a:t>管理时，开发人员需要提供初始化配置数据的脚本</a:t>
-            </a:r>
-          </a:p>
-          <a:p>
-            <a:pPr lvl="2"/>
-            <a:endParaRPr kumimoji="1" lang="zh-CN" altLang="en-US" dirty="0" smtClean="0"/>
-          </a:p>
-        </p:txBody>
-      </p:sp>
-      <p:sp>
-        <p:nvSpPr>
-          <p:cNvPr id="4" name="文本框 3"/>
-          <p:cNvSpPr txBox="1"/>
-          <p:nvPr/>
-        </p:nvSpPr>
-        <p:spPr>
-          <a:xfrm>
-            <a:off x="667656" y="5457371"/>
-            <a:ext cx="11264622" cy="923330"/>
-          </a:xfrm>
-          <a:prstGeom prst="rect">
-            <a:avLst/>
-          </a:prstGeom>
-          <a:noFill/>
-        </p:spPr>
-        <p:txBody>
-          <a:bodyPr wrap="none" rtlCol="0">
-            <a:spAutoFit/>
-          </a:bodyPr>
-          <a:lstStyle/>
-          <a:p>
-            <a:r>
-              <a:rPr kumimoji="1" lang="zh-CN" altLang="en-US" dirty="0" smtClean="0"/>
-              <a:t>原因：首先，配置文件依赖环境，所以放在镜像里显然不合适，因为启动容器后需要修改容器里的内容。</a:t>
-            </a:r>
-          </a:p>
-          <a:p>
-            <a:r>
-              <a:rPr kumimoji="1" lang="zh-CN" altLang="en-US" dirty="0" smtClean="0"/>
-              <a:t>那么只能通过挂载到宿主机上，这样增加了宿主机与容器的耦合，也不利于容器的移植，增加了部署的复杂性</a:t>
-            </a:r>
-          </a:p>
-          <a:p>
-            <a:r>
-              <a:rPr kumimoji="1" lang="zh-CN" altLang="en-US" dirty="0" smtClean="0"/>
-              <a:t>一但实例多了更是如此。</a:t>
-            </a:r>
+              <a:rPr kumimoji="1" lang="zh-CN" altLang="en-US" dirty="0" smtClean="0"/>
+              <a:t>有开发环境，测试环境，和线上部署环境，不同的环境</a:t>
+            </a:r>
+            <a:r>
+              <a:rPr kumimoji="1" lang="en-US" altLang="zh-CN" dirty="0" smtClean="0"/>
+              <a:t>compose</a:t>
+            </a:r>
+            <a:r>
+              <a:rPr kumimoji="1" lang="zh-CN" altLang="en-US" dirty="0" smtClean="0"/>
+              <a:t>文件可能不同，如果不同，开发人员提供多个</a:t>
+            </a:r>
+            <a:r>
+              <a:rPr kumimoji="1" lang="en-US" altLang="zh-CN" dirty="0" smtClean="0"/>
+              <a:t>compose</a:t>
+            </a:r>
+            <a:r>
+              <a:rPr kumimoji="1" lang="zh-CN" altLang="en-US" dirty="0" smtClean="0"/>
+              <a:t>文件</a:t>
+            </a:r>
+          </a:p>
+          <a:p>
+            <a:pPr lvl="1"/>
+            <a:r>
+              <a:rPr kumimoji="1" lang="zh-CN" altLang="en-US" dirty="0" smtClean="0"/>
+              <a:t>保障测试人员和部署人员仅通过</a:t>
+            </a:r>
+            <a:r>
+              <a:rPr kumimoji="1" lang="en-US" altLang="zh-CN" dirty="0" smtClean="0"/>
+              <a:t>compose</a:t>
+            </a:r>
+            <a:r>
+              <a:rPr kumimoji="1" lang="zh-CN" altLang="en-US" dirty="0" smtClean="0"/>
+              <a:t> </a:t>
+            </a:r>
+            <a:r>
+              <a:rPr kumimoji="1" lang="en-US" altLang="zh-CN" dirty="0" smtClean="0"/>
+              <a:t>up</a:t>
+            </a:r>
+            <a:r>
+              <a:rPr kumimoji="1" lang="zh-CN" altLang="en-US" dirty="0" smtClean="0"/>
+              <a:t>命令即可部署完成，而不需要关注业务逻辑和配置。</a:t>
+            </a:r>
+          </a:p>
+          <a:p>
+            <a:pPr marL="0" indent="0">
+              <a:buNone/>
+            </a:pPr>
             <a:endParaRPr kumimoji="1" lang="zh-CN" altLang="en-US" dirty="0"/>
           </a:p>
         </p:txBody>
@@ -4769,7 +4874,7 @@
     </p:spTree>
     <p:extLst>
       <p:ext uri="{BB962C8B-B14F-4D97-AF65-F5344CB8AC3E}">
-        <p14:creationId xmlns:p14="http://schemas.microsoft.com/office/powerpoint/2010/main" val="309572886"/>
+        <p14:creationId xmlns:p14="http://schemas.microsoft.com/office/powerpoint/2010/main" val="1989833661"/>
       </p:ext>
     </p:extLst>
   </p:cSld>
@@ -4798,6 +4903,37 @@
       </p:grpSpPr>
       <p:sp>
         <p:nvSpPr>
+          <p:cNvPr id="2" name="标题 1"/>
+          <p:cNvSpPr>
+            <a:spLocks noGrp="1"/>
+          </p:cNvSpPr>
+          <p:nvPr>
+            <p:ph type="title"/>
+          </p:nvPr>
+        </p:nvSpPr>
+        <p:spPr/>
+        <p:txBody>
+          <a:bodyPr/>
+          <a:lstStyle/>
+          <a:p>
+            <a:r>
+              <a:rPr kumimoji="1" lang="zh-CN" altLang="en-US" dirty="0" smtClean="0"/>
+              <a:t>开发人员行为准则 </a:t>
+            </a:r>
+            <a:r>
+              <a:rPr kumimoji="1" lang="en-US" altLang="zh-CN" dirty="0" smtClean="0"/>
+              <a:t>–</a:t>
+            </a:r>
+            <a:r>
+              <a:rPr kumimoji="1" lang="zh-CN" altLang="en-US" dirty="0" smtClean="0"/>
+              <a:t> 业务配置</a:t>
+            </a:r>
+            <a:endParaRPr kumimoji="1" lang="zh-CN" altLang="en-US" dirty="0"/>
+          </a:p>
+        </p:txBody>
+      </p:sp>
+      <p:sp>
+        <p:nvSpPr>
           <p:cNvPr id="3" name="内容占位符 2"/>
           <p:cNvSpPr>
             <a:spLocks noGrp="1"/>
@@ -4806,57 +4942,162 @@
             <p:ph idx="1"/>
           </p:nvPr>
         </p:nvSpPr>
-        <p:spPr/>
-        <p:txBody>
-          <a:bodyPr/>
-          <a:lstStyle/>
-          <a:p>
-            <a:r>
-              <a:rPr kumimoji="1" lang="zh-CN" altLang="en-US" dirty="0"/>
-              <a:t>持续集成架构概览</a:t>
-            </a:r>
-          </a:p>
-          <a:p>
-            <a:r>
-              <a:rPr kumimoji="1" lang="en-US" altLang="zh-CN" dirty="0" smtClean="0"/>
-              <a:t>CI</a:t>
-            </a:r>
-            <a:r>
-              <a:rPr kumimoji="1" lang="zh-CN" altLang="en-US" dirty="0" smtClean="0"/>
-              <a:t>使用</a:t>
-            </a:r>
-            <a:r>
-              <a:rPr kumimoji="1" lang="zh-CN" altLang="en-US" dirty="0"/>
-              <a:t>教程</a:t>
-            </a:r>
-          </a:p>
-          <a:p>
-            <a:r>
-              <a:rPr kumimoji="1" lang="zh-CN" altLang="en-US" dirty="0"/>
-              <a:t>开发人员行为准则</a:t>
-            </a:r>
-          </a:p>
-          <a:p>
-            <a:r>
-              <a:rPr kumimoji="1" lang="zh-CN" altLang="en-US" dirty="0">
+        <p:spPr>
+          <a:xfrm>
+            <a:off x="838200" y="1825624"/>
+            <a:ext cx="10515600" cy="2746375"/>
+          </a:xfrm>
+        </p:spPr>
+        <p:txBody>
+          <a:bodyPr>
+            <a:normAutofit fontScale="92500"/>
+          </a:bodyPr>
+          <a:lstStyle/>
+          <a:p>
+            <a:r>
+              <a:rPr kumimoji="1" lang="zh-CN" altLang="en-US" dirty="0" smtClean="0">
                 <a:solidFill>
                   <a:srgbClr val="FF0000"/>
                 </a:solidFill>
               </a:rPr>
-              <a:t>镜像交付</a:t>
-            </a:r>
-          </a:p>
-          <a:p>
-            <a:r>
-              <a:rPr kumimoji="1" lang="en-US" altLang="zh-CN" dirty="0"/>
-              <a:t>compose</a:t>
-            </a:r>
-            <a:r>
-              <a:rPr kumimoji="1" lang="zh-CN" altLang="en-US" dirty="0"/>
-              <a:t>文件交付</a:t>
-            </a:r>
-          </a:p>
-          <a:p>
+              <a:t>禁止使用配置文件</a:t>
+            </a:r>
+            <a:r>
+              <a:rPr kumimoji="1" lang="zh-CN" altLang="en-US" dirty="0" smtClean="0"/>
+              <a:t>，使用其它方式取代，取消配置外挂宿主机操作。</a:t>
+            </a:r>
+          </a:p>
+          <a:p>
+            <a:pPr lvl="1"/>
+            <a:r>
+              <a:rPr kumimoji="1" lang="zh-CN" altLang="en-US" dirty="0" smtClean="0"/>
+              <a:t>命令行参数</a:t>
+            </a:r>
+          </a:p>
+          <a:p>
+            <a:pPr lvl="2"/>
+            <a:r>
+              <a:rPr kumimoji="1" lang="zh-CN" altLang="en-US" dirty="0" smtClean="0"/>
+              <a:t>使用命令行参数的好处是直接在</a:t>
+            </a:r>
+            <a:r>
+              <a:rPr kumimoji="1" lang="en-US" altLang="zh-CN" dirty="0" err="1" smtClean="0"/>
+              <a:t>docker-compose.yml</a:t>
+            </a:r>
+            <a:r>
+              <a:rPr kumimoji="1" lang="zh-CN" altLang="en-US" dirty="0" smtClean="0"/>
+              <a:t>文件中即可配置业务</a:t>
+            </a:r>
+          </a:p>
+          <a:p>
+            <a:pPr lvl="1"/>
+            <a:r>
+              <a:rPr kumimoji="1" lang="en-US" altLang="zh-CN" dirty="0" err="1" smtClean="0"/>
+              <a:t>confd</a:t>
+            </a:r>
+            <a:r>
+              <a:rPr kumimoji="1" lang="zh-CN" altLang="en-US" dirty="0" smtClean="0"/>
+              <a:t>管理</a:t>
+            </a:r>
+          </a:p>
+          <a:p>
+            <a:pPr lvl="2"/>
+            <a:r>
+              <a:rPr kumimoji="1" lang="zh-CN" altLang="en-US" dirty="0" smtClean="0"/>
+              <a:t>业务配置比较复杂可以考虑使用</a:t>
+            </a:r>
+            <a:r>
+              <a:rPr kumimoji="1" lang="en-US" altLang="zh-CN" dirty="0" err="1" smtClean="0"/>
+              <a:t>confd</a:t>
+            </a:r>
+            <a:r>
+              <a:rPr kumimoji="1" lang="zh-CN" altLang="en-US" dirty="0" smtClean="0"/>
+              <a:t>管理，</a:t>
+            </a:r>
+            <a:r>
+              <a:rPr kumimoji="1" lang="en-US" altLang="zh-CN" dirty="0" err="1" smtClean="0"/>
+              <a:t>confd</a:t>
+            </a:r>
+            <a:r>
+              <a:rPr kumimoji="1" lang="zh-CN" altLang="en-US" dirty="0" smtClean="0"/>
+              <a:t>可以设置一个配置模板，数据写在</a:t>
+            </a:r>
+            <a:r>
+              <a:rPr kumimoji="1" lang="en-US" altLang="zh-CN" dirty="0" err="1" smtClean="0"/>
+              <a:t>etcd</a:t>
+            </a:r>
+            <a:r>
+              <a:rPr kumimoji="1" lang="zh-CN" altLang="en-US" dirty="0" smtClean="0"/>
+              <a:t>中，容器启动时在</a:t>
+            </a:r>
+            <a:r>
+              <a:rPr kumimoji="1" lang="en-US" altLang="zh-CN" dirty="0" err="1" smtClean="0"/>
+              <a:t>etcd</a:t>
+            </a:r>
+            <a:r>
+              <a:rPr kumimoji="1" lang="zh-CN" altLang="en-US" dirty="0" smtClean="0"/>
+              <a:t>中获取数据填充模板，这样即可不用外挂配置文件，这也是云计算系统中最为推荐的配置管理方式。</a:t>
+            </a:r>
+          </a:p>
+          <a:p>
+            <a:pPr lvl="2"/>
+            <a:r>
+              <a:rPr kumimoji="1" lang="zh-CN" altLang="en-US" dirty="0" smtClean="0"/>
+              <a:t>使用</a:t>
+            </a:r>
+            <a:r>
+              <a:rPr kumimoji="1" lang="en-US" altLang="zh-CN" dirty="0" err="1" smtClean="0"/>
+              <a:t>confd</a:t>
+            </a:r>
+            <a:r>
+              <a:rPr kumimoji="1" lang="zh-CN" altLang="en-US" dirty="0" smtClean="0"/>
+              <a:t>管理时，开发人员需要提供初始化配置数据的脚本</a:t>
+            </a:r>
+          </a:p>
+          <a:p>
+            <a:pPr lvl="2"/>
+            <a:endParaRPr kumimoji="1" lang="zh-CN" altLang="en-US" dirty="0" smtClean="0"/>
+          </a:p>
+        </p:txBody>
+      </p:sp>
+      <p:sp>
+        <p:nvSpPr>
+          <p:cNvPr id="4" name="文本框 3"/>
+          <p:cNvSpPr txBox="1"/>
+          <p:nvPr/>
+        </p:nvSpPr>
+        <p:spPr>
+          <a:xfrm>
+            <a:off x="667656" y="5457371"/>
+            <a:ext cx="11264622" cy="923330"/>
+          </a:xfrm>
+          <a:prstGeom prst="rect">
+            <a:avLst/>
+          </a:prstGeom>
+          <a:noFill/>
+        </p:spPr>
+        <p:txBody>
+          <a:bodyPr wrap="none" rtlCol="0">
+            <a:spAutoFit/>
+          </a:bodyPr>
+          <a:lstStyle/>
+          <a:p>
+            <a:r>
+              <a:rPr kumimoji="1" lang="zh-CN" altLang="en-US" dirty="0" smtClean="0"/>
+              <a:t>原因：首先，配置文件依赖环境，所以放在镜像里显然不合适，因为启动容器后需要修改容器里的内容。</a:t>
+            </a:r>
+          </a:p>
+          <a:p>
+            <a:r>
+              <a:rPr kumimoji="1" lang="zh-CN" altLang="en-US" dirty="0" smtClean="0"/>
+              <a:t>那么只能通过挂载到宿主机上，这样增加了宿主机与容器的耦合，也不利于容器的移植，增加了部署的复杂性</a:t>
+            </a:r>
+          </a:p>
+          <a:p>
+            <a:r>
+              <a:rPr kumimoji="1" lang="zh-CN" altLang="en-US" dirty="0" smtClean="0"/>
+              <a:t>一但实例多了更是如此。</a:t>
+            </a:r>
             <a:endParaRPr kumimoji="1" lang="zh-CN" altLang="en-US" dirty="0"/>
           </a:p>
         </p:txBody>
@@ -4864,7 +5105,7 @@
     </p:spTree>
     <p:extLst>
       <p:ext uri="{BB962C8B-B14F-4D97-AF65-F5344CB8AC3E}">
-        <p14:creationId xmlns:p14="http://schemas.microsoft.com/office/powerpoint/2010/main" val="1285228804"/>
+        <p14:creationId xmlns:p14="http://schemas.microsoft.com/office/powerpoint/2010/main" val="309572886"/>
       </p:ext>
     </p:extLst>
   </p:cSld>
@@ -4893,106 +5134,65 @@
       </p:grpSpPr>
       <p:sp>
         <p:nvSpPr>
-          <p:cNvPr id="2" name="标题 1"/>
-          <p:cNvSpPr>
-            <a:spLocks noGrp="1"/>
-          </p:cNvSpPr>
-          <p:nvPr>
-            <p:ph type="title"/>
-          </p:nvPr>
-        </p:nvSpPr>
-        <p:spPr>
-          <a:xfrm>
-            <a:off x="838200" y="365126"/>
-            <a:ext cx="8305800" cy="1028246"/>
-          </a:xfrm>
-        </p:spPr>
+          <p:cNvPr id="3" name="内容占位符 2"/>
+          <p:cNvSpPr>
+            <a:spLocks noGrp="1"/>
+          </p:cNvSpPr>
+          <p:nvPr>
+            <p:ph idx="1"/>
+          </p:nvPr>
+        </p:nvSpPr>
+        <p:spPr/>
         <p:txBody>
           <a:bodyPr/>
           <a:lstStyle/>
           <a:p>
             <a:r>
-              <a:rPr kumimoji="1" lang="zh-CN" altLang="en-US" dirty="0" smtClean="0"/>
+              <a:rPr kumimoji="1" lang="zh-CN" altLang="en-US" dirty="0"/>
+              <a:t>持续集成架构概览</a:t>
+            </a:r>
+          </a:p>
+          <a:p>
+            <a:r>
+              <a:rPr kumimoji="1" lang="en-US" altLang="zh-CN" dirty="0" smtClean="0"/>
+              <a:t>CI</a:t>
+            </a:r>
+            <a:r>
+              <a:rPr kumimoji="1" lang="zh-CN" altLang="en-US" dirty="0" smtClean="0"/>
+              <a:t>使用</a:t>
+            </a:r>
+            <a:r>
+              <a:rPr kumimoji="1" lang="zh-CN" altLang="en-US" dirty="0"/>
+              <a:t>教程</a:t>
+            </a:r>
+          </a:p>
+          <a:p>
+            <a:r>
+              <a:rPr kumimoji="1" lang="zh-CN" altLang="en-US" dirty="0"/>
+              <a:t>开发人员行为准则</a:t>
+            </a:r>
+          </a:p>
+          <a:p>
+            <a:r>
+              <a:rPr kumimoji="1" lang="zh-CN" altLang="en-US" dirty="0">
+                <a:solidFill>
+                  <a:srgbClr val="FF0000"/>
+                </a:solidFill>
+              </a:rPr>
               <a:t>镜像交付</a:t>
             </a:r>
-            <a:r>
-              <a:rPr kumimoji="1" lang="en-US" altLang="zh-CN" dirty="0" smtClean="0"/>
-              <a:t>-</a:t>
-            </a:r>
-            <a:r>
-              <a:rPr kumimoji="1" lang="zh-CN" altLang="en-US" dirty="0" smtClean="0"/>
-              <a:t>手动同步</a:t>
-            </a:r>
-            <a:endParaRPr kumimoji="1" lang="zh-CN" altLang="en-US" dirty="0"/>
-          </a:p>
-        </p:txBody>
-      </p:sp>
-      <p:pic>
-        <p:nvPicPr>
-          <p:cNvPr id="4" name="图片 3"/>
-          <p:cNvPicPr>
-            <a:picLocks noChangeAspect="1"/>
-          </p:cNvPicPr>
-          <p:nvPr/>
-        </p:nvPicPr>
-        <p:blipFill>
-          <a:blip r:embed="rId2"/>
-          <a:stretch>
-            <a:fillRect/>
-          </a:stretch>
-        </p:blipFill>
-        <p:spPr>
-          <a:xfrm>
-            <a:off x="0" y="2671958"/>
-            <a:ext cx="12192000" cy="4186042"/>
-          </a:xfrm>
-          <a:prstGeom prst="rect">
-            <a:avLst/>
-          </a:prstGeom>
-        </p:spPr>
-      </p:pic>
-      <p:sp>
-        <p:nvSpPr>
-          <p:cNvPr id="5" name="文本框 4"/>
-          <p:cNvSpPr txBox="1"/>
-          <p:nvPr/>
-        </p:nvSpPr>
-        <p:spPr>
-          <a:xfrm>
-            <a:off x="1161143" y="1596571"/>
-            <a:ext cx="4363695" cy="369332"/>
-          </a:xfrm>
-          <a:prstGeom prst="rect">
-            <a:avLst/>
-          </a:prstGeom>
-          <a:noFill/>
-        </p:spPr>
-        <p:txBody>
-          <a:bodyPr wrap="none" rtlCol="0">
-            <a:spAutoFit/>
-          </a:bodyPr>
-          <a:lstStyle/>
-          <a:p>
-            <a:r>
-              <a:rPr kumimoji="1" lang="zh-CN" altLang="en-US" dirty="0" smtClean="0"/>
-              <a:t>比仓库同步多了打包，</a:t>
-            </a:r>
-            <a:r>
-              <a:rPr kumimoji="1" lang="en-US" altLang="zh-CN" dirty="0" err="1" smtClean="0"/>
-              <a:t>scp</a:t>
-            </a:r>
-            <a:r>
-              <a:rPr kumimoji="1" lang="zh-CN" altLang="en-US" dirty="0" smtClean="0"/>
-              <a:t>，</a:t>
-            </a:r>
-            <a:r>
-              <a:rPr kumimoji="1" lang="en-US" altLang="zh-CN" dirty="0" smtClean="0"/>
-              <a:t>load</a:t>
-            </a:r>
-            <a:r>
-              <a:rPr kumimoji="1" lang="zh-CN" altLang="en-US" dirty="0" smtClean="0"/>
-              <a:t>三个过程</a:t>
-            </a:r>
+          </a:p>
+          <a:p>
+            <a:r>
+              <a:rPr kumimoji="1" lang="en-US" altLang="zh-CN" dirty="0"/>
+              <a:t>compose</a:t>
+            </a:r>
+            <a:r>
+              <a:rPr kumimoji="1" lang="zh-CN" altLang="en-US" dirty="0"/>
+              <a:t>文件交付</a:t>
+            </a:r>
+          </a:p>
+          <a:p>
             <a:endParaRPr kumimoji="1" lang="zh-CN" altLang="en-US" dirty="0"/>
           </a:p>
         </p:txBody>
@@ -5000,7 +5200,7 @@
     </p:spTree>
     <p:extLst>
       <p:ext uri="{BB962C8B-B14F-4D97-AF65-F5344CB8AC3E}">
-        <p14:creationId xmlns:p14="http://schemas.microsoft.com/office/powerpoint/2010/main" val="209658435"/>
+        <p14:creationId xmlns:p14="http://schemas.microsoft.com/office/powerpoint/2010/main" val="1285228804"/>
       </p:ext>
     </p:extLst>
   </p:cSld>
@@ -5037,7 +5237,12 @@
             <p:ph type="title"/>
           </p:nvPr>
         </p:nvSpPr>
-        <p:spPr/>
+        <p:spPr>
+          <a:xfrm>
+            <a:off x="838200" y="365126"/>
+            <a:ext cx="8305800" cy="1028246"/>
+          </a:xfrm>
+        </p:spPr>
         <p:txBody>
           <a:bodyPr/>
           <a:lstStyle/>
@@ -5052,7 +5257,7 @@
             </a:r>
             <a:r>
               <a:rPr kumimoji="1" lang="zh-CN" altLang="en-US" dirty="0" smtClean="0"/>
-              <a:t>仓库同步</a:t>
+              <a:t>手动同步</a:t>
             </a:r>
             <a:endParaRPr kumimoji="1" lang="zh-CN" altLang="en-US" dirty="0"/>
           </a:p>
@@ -5074,8 +5279,8 @@
         </p:blipFill>
         <p:spPr>
           <a:xfrm>
-            <a:off x="0" y="4174021"/>
-            <a:ext cx="12192000" cy="2683979"/>
+            <a:off x="0" y="2671958"/>
+            <a:ext cx="12192000" cy="4186042"/>
           </a:xfrm>
           <a:prstGeom prst="rect">
             <a:avLst/>
@@ -5090,8 +5295,8 @@
         </p:nvSpPr>
         <p:spPr>
           <a:xfrm>
-            <a:off x="838200" y="1799772"/>
-            <a:ext cx="8102667" cy="1938992"/>
+            <a:off x="1103085" y="1393372"/>
+            <a:ext cx="5378395" cy="923330"/>
           </a:xfrm>
           <a:prstGeom prst="rect">
             <a:avLst/>
@@ -5104,28 +5309,15 @@
           </a:bodyPr>
           <a:lstStyle/>
           <a:p>
+            <a:endParaRPr kumimoji="1" lang="zh-CN" altLang="en-US" dirty="0" smtClean="0"/>
+          </a:p>
+          <a:p>
             <a:pPr marL="342900" indent="-342900">
               <a:buAutoNum type="arabicPeriod"/>
             </a:pPr>
             <a:r>
-              <a:rPr kumimoji="1" lang="zh-CN" altLang="en-US" sz="2400" dirty="0" smtClean="0"/>
-              <a:t>开发环境的仓库</a:t>
-            </a:r>
-            <a:r>
-              <a:rPr kumimoji="1" lang="en-US" altLang="zh-CN" sz="2400" dirty="0" err="1" smtClean="0"/>
-              <a:t>dev</a:t>
-            </a:r>
-            <a:r>
-              <a:rPr kumimoji="1" lang="zh-CN" altLang="en-US" sz="2400" dirty="0" smtClean="0"/>
-              <a:t>项目与测试环境的</a:t>
-            </a:r>
-            <a:r>
-              <a:rPr kumimoji="1" lang="en-US" altLang="zh-CN" sz="2400" dirty="0" err="1" smtClean="0"/>
-              <a:t>dev</a:t>
-            </a:r>
-            <a:r>
-              <a:rPr kumimoji="1" lang="zh-CN" altLang="en-US" sz="2400" dirty="0" smtClean="0"/>
-              <a:t>项目同步</a:t>
+              <a:rPr kumimoji="1" lang="zh-CN" altLang="en-US" dirty="0" smtClean="0"/>
+              <a:t>测试人员将开发环境镜像同步到测试环境仓库中</a:t>
             </a:r>
           </a:p>
           <a:p>
@@ -5133,92 +5325,17 @@
               <a:buAutoNum type="arabicPeriod"/>
             </a:pPr>
             <a:r>
-              <a:rPr kumimoji="1" lang="zh-CN" altLang="en-US" sz="2400" dirty="0" smtClean="0"/>
-              <a:t>测试人员将需要测试的版本从</a:t>
-            </a:r>
-            <a:r>
-              <a:rPr kumimoji="1" lang="en-US" altLang="zh-CN" sz="2400" dirty="0" err="1" smtClean="0"/>
-              <a:t>dev</a:t>
-            </a:r>
-            <a:r>
-              <a:rPr kumimoji="1" lang="zh-CN" altLang="en-US" sz="2400" dirty="0" smtClean="0"/>
-              <a:t>项目中移到</a:t>
-            </a:r>
-            <a:r>
-              <a:rPr kumimoji="1" lang="en-US" altLang="zh-CN" sz="2400" dirty="0" smtClean="0"/>
-              <a:t>test</a:t>
-            </a:r>
-            <a:r>
-              <a:rPr kumimoji="1" lang="zh-CN" altLang="en-US" sz="2400" dirty="0" smtClean="0"/>
-              <a:t>项目中</a:t>
-            </a:r>
-          </a:p>
-          <a:p>
-            <a:pPr marL="342900" indent="-342900">
-              <a:buAutoNum type="arabicPeriod"/>
-            </a:pPr>
-            <a:r>
-              <a:rPr kumimoji="1" lang="zh-CN" altLang="en-US" sz="2400" dirty="0" smtClean="0"/>
-              <a:t>测试环境的</a:t>
-            </a:r>
-            <a:r>
-              <a:rPr kumimoji="1" lang="en-US" altLang="zh-CN" sz="2400" dirty="0" smtClean="0"/>
-              <a:t>test</a:t>
-            </a:r>
-            <a:r>
-              <a:rPr kumimoji="1" lang="zh-CN" altLang="en-US" sz="2400" dirty="0" smtClean="0"/>
-              <a:t>项目与生产环境中的</a:t>
-            </a:r>
-            <a:r>
-              <a:rPr kumimoji="1" lang="en-US" altLang="zh-CN" sz="2400" dirty="0" smtClean="0"/>
-              <a:t>test</a:t>
-            </a:r>
-            <a:r>
-              <a:rPr kumimoji="1" lang="zh-CN" altLang="en-US" sz="2400" dirty="0" smtClean="0"/>
-              <a:t>项目自动同步</a:t>
-            </a:r>
-          </a:p>
-          <a:p>
-            <a:pPr marL="342900" indent="-342900">
-              <a:buAutoNum type="arabicPeriod"/>
-            </a:pPr>
-            <a:r>
-              <a:rPr kumimoji="1" lang="zh-CN" altLang="en-US" sz="2400" dirty="0" smtClean="0"/>
-              <a:t>线上运维人员将</a:t>
-            </a:r>
-            <a:r>
-              <a:rPr kumimoji="1" lang="en-US" altLang="zh-CN" sz="2400" dirty="0" smtClean="0"/>
-              <a:t>test</a:t>
-            </a:r>
-            <a:r>
-              <a:rPr kumimoji="1" lang="zh-CN" altLang="en-US" sz="2400" dirty="0" smtClean="0"/>
-              <a:t>项目中需要上线的版本移到</a:t>
-            </a:r>
-            <a:r>
-              <a:rPr kumimoji="1" lang="en-US" altLang="zh-CN" sz="2400" dirty="0" err="1" smtClean="0"/>
-              <a:t>rel</a:t>
-            </a:r>
-            <a:r>
-              <a:rPr kumimoji="1" lang="zh-CN" altLang="en-US" sz="2400" dirty="0" smtClean="0"/>
-              <a:t>目录中</a:t>
-            </a:r>
-          </a:p>
-          <a:p>
-            <a:pPr marL="342900" indent="-342900">
-              <a:buAutoNum type="arabicPeriod"/>
-            </a:pPr>
-            <a:r>
-              <a:rPr kumimoji="1" lang="zh-CN" altLang="en-US" sz="2400" dirty="0" smtClean="0"/>
-              <a:t>三个仓库需要使用不同的主机名，并能相互解析</a:t>
-            </a:r>
-            <a:endParaRPr kumimoji="1" lang="zh-CN" altLang="en-US" sz="2400" dirty="0"/>
+              <a:rPr kumimoji="1" lang="zh-CN" altLang="en-US" dirty="0" smtClean="0"/>
+              <a:t>运维人员将测试环境镜像同步到生产环境中</a:t>
+            </a:r>
+            <a:endParaRPr kumimoji="1" lang="zh-CN" altLang="en-US" dirty="0"/>
           </a:p>
         </p:txBody>
       </p:sp>
     </p:spTree>
     <p:extLst>
       <p:ext uri="{BB962C8B-B14F-4D97-AF65-F5344CB8AC3E}">
-        <p14:creationId xmlns:p14="http://schemas.microsoft.com/office/powerpoint/2010/main" val="193047510"/>
+        <p14:creationId xmlns:p14="http://schemas.microsoft.com/office/powerpoint/2010/main" val="209658435"/>
       </p:ext>
     </p:extLst>
   </p:cSld>
@@ -5247,12 +5364,12 @@
       </p:grpSpPr>
       <p:sp>
         <p:nvSpPr>
-          <p:cNvPr id="3" name="内容占位符 2"/>
-          <p:cNvSpPr>
-            <a:spLocks noGrp="1"/>
-          </p:cNvSpPr>
-          <p:nvPr>
-            <p:ph idx="1"/>
+          <p:cNvPr id="2" name="标题 1"/>
+          <p:cNvSpPr>
+            <a:spLocks noGrp="1"/>
+          </p:cNvSpPr>
+          <p:nvPr>
+            <p:ph type="title"/>
           </p:nvPr>
         </p:nvSpPr>
         <p:spPr/>
@@ -5261,63 +5378,230 @@
           <a:lstStyle/>
           <a:p>
             <a:r>
-              <a:rPr kumimoji="1" lang="zh-CN" altLang="en-US" dirty="0"/>
-              <a:t>持续集成架构概览</a:t>
-            </a:r>
-          </a:p>
-          <a:p>
-            <a:r>
-              <a:rPr kumimoji="1" lang="en-US" altLang="zh-CN" dirty="0" smtClean="0"/>
-              <a:t>CI</a:t>
-            </a:r>
-            <a:r>
-              <a:rPr kumimoji="1" lang="zh-CN" altLang="en-US" dirty="0" smtClean="0"/>
-              <a:t>使用</a:t>
-            </a:r>
-            <a:r>
-              <a:rPr kumimoji="1" lang="zh-CN" altLang="en-US" dirty="0"/>
-              <a:t>教程</a:t>
-            </a:r>
-          </a:p>
-          <a:p>
-            <a:r>
-              <a:rPr kumimoji="1" lang="zh-CN" altLang="en-US" dirty="0"/>
-              <a:t>开发人员行为准则</a:t>
-            </a:r>
-          </a:p>
-          <a:p>
-            <a:r>
-              <a:rPr kumimoji="1" lang="zh-CN" altLang="en-US" dirty="0"/>
-              <a:t>镜像交付</a:t>
-            </a:r>
-          </a:p>
-          <a:p>
-            <a:r>
-              <a:rPr kumimoji="1" lang="en-US" altLang="zh-CN" dirty="0">
+              <a:rPr kumimoji="1" lang="zh-CN" altLang="en-US" dirty="0" smtClean="0">
                 <a:solidFill>
                   <a:srgbClr val="FF0000"/>
                 </a:solidFill>
               </a:rPr>
-              <a:t>compose</a:t>
-            </a:r>
-            <a:r>
-              <a:rPr kumimoji="1" lang="zh-CN" altLang="en-US" dirty="0">
+              <a:t>镜像交付</a:t>
+            </a:r>
+            <a:r>
+              <a:rPr kumimoji="1" lang="en-US" altLang="zh-CN" dirty="0" smtClean="0">
                 <a:solidFill>
                   <a:srgbClr val="FF0000"/>
                 </a:solidFill>
               </a:rPr>
-              <a:t>文件交付</a:t>
-            </a:r>
-          </a:p>
-          <a:p>
-            <a:endParaRPr kumimoji="1" lang="zh-CN" altLang="en-US" dirty="0"/>
+              <a:t>-</a:t>
+            </a:r>
+            <a:r>
+              <a:rPr kumimoji="1" lang="zh-CN" altLang="en-US" dirty="0" smtClean="0">
+                <a:solidFill>
+                  <a:srgbClr val="FF0000"/>
+                </a:solidFill>
+              </a:rPr>
+              <a:t>仓库</a:t>
+            </a:r>
+            <a:r>
+              <a:rPr kumimoji="1" lang="zh-CN" altLang="en-US" dirty="0" smtClean="0">
+                <a:solidFill>
+                  <a:srgbClr val="FF0000"/>
+                </a:solidFill>
+              </a:rPr>
+              <a:t>同步 </a:t>
+            </a:r>
+            <a:r>
+              <a:rPr kumimoji="1" lang="en-US" altLang="zh-CN" dirty="0" smtClean="0">
+                <a:solidFill>
+                  <a:srgbClr val="FF0000"/>
+                </a:solidFill>
+              </a:rPr>
+              <a:t>–</a:t>
+            </a:r>
+            <a:r>
+              <a:rPr kumimoji="1" lang="zh-CN" altLang="en-US" dirty="0" smtClean="0">
+                <a:solidFill>
+                  <a:srgbClr val="FF0000"/>
+                </a:solidFill>
+              </a:rPr>
+              <a:t> </a:t>
+            </a:r>
+            <a:r>
+              <a:rPr kumimoji="1" lang="zh-CN" altLang="en-US" dirty="0" smtClean="0">
+                <a:solidFill>
+                  <a:srgbClr val="FF0000"/>
+                </a:solidFill>
+              </a:rPr>
+              <a:t>废弃，忽略本页</a:t>
+            </a:r>
+            <a:endParaRPr kumimoji="1" lang="zh-CN" altLang="en-US" dirty="0">
+              <a:solidFill>
+                <a:srgbClr val="FF0000"/>
+              </a:solidFill>
+            </a:endParaRPr>
+          </a:p>
+        </p:txBody>
+      </p:sp>
+      <p:pic>
+        <p:nvPicPr>
+          <p:cNvPr id="4" name="图片 3"/>
+          <p:cNvPicPr>
+            <a:picLocks noChangeAspect="1"/>
+          </p:cNvPicPr>
+          <p:nvPr/>
+        </p:nvPicPr>
+        <p:blipFill>
+          <a:blip r:embed="rId2"/>
+          <a:stretch>
+            <a:fillRect/>
+          </a:stretch>
+        </p:blipFill>
+        <p:spPr>
+          <a:xfrm>
+            <a:off x="0" y="4174021"/>
+            <a:ext cx="12192000" cy="2683979"/>
+          </a:xfrm>
+          <a:prstGeom prst="rect">
+            <a:avLst/>
+          </a:prstGeom>
+        </p:spPr>
+      </p:pic>
+      <p:sp>
+        <p:nvSpPr>
+          <p:cNvPr id="5" name="文本框 4"/>
+          <p:cNvSpPr txBox="1"/>
+          <p:nvPr/>
+        </p:nvSpPr>
+        <p:spPr>
+          <a:xfrm>
+            <a:off x="838200" y="1799772"/>
+            <a:ext cx="8102667" cy="1938992"/>
+          </a:xfrm>
+          <a:prstGeom prst="rect">
+            <a:avLst/>
+          </a:prstGeom>
+          <a:noFill/>
+        </p:spPr>
+        <p:txBody>
+          <a:bodyPr wrap="none" rtlCol="0">
+            <a:spAutoFit/>
+          </a:bodyPr>
+          <a:lstStyle/>
+          <a:p>
+            <a:pPr marL="342900" indent="-342900">
+              <a:buAutoNum type="arabicPeriod"/>
+            </a:pPr>
+            <a:r>
+              <a:rPr kumimoji="1" lang="zh-CN" altLang="en-US" sz="2400" strike="sngStrike" dirty="0" smtClean="0"/>
+              <a:t>开发环境的仓库</a:t>
+            </a:r>
+            <a:r>
+              <a:rPr kumimoji="1" lang="en-US" altLang="zh-CN" sz="2400" strike="sngStrike" dirty="0" err="1" smtClean="0"/>
+              <a:t>dev</a:t>
+            </a:r>
+            <a:r>
+              <a:rPr kumimoji="1" lang="zh-CN" altLang="en-US" sz="2400" strike="sngStrike" dirty="0" smtClean="0"/>
+              <a:t>项目与测试环境的</a:t>
+            </a:r>
+            <a:r>
+              <a:rPr kumimoji="1" lang="en-US" altLang="zh-CN" sz="2400" strike="sngStrike" dirty="0" err="1" smtClean="0"/>
+              <a:t>dev</a:t>
+            </a:r>
+            <a:r>
+              <a:rPr kumimoji="1" lang="zh-CN" altLang="en-US" sz="2400" strike="sngStrike" dirty="0" smtClean="0"/>
+              <a:t>项目同步</a:t>
+            </a:r>
+          </a:p>
+          <a:p>
+            <a:pPr marL="342900" indent="-342900">
+              <a:buAutoNum type="arabicPeriod"/>
+            </a:pPr>
+            <a:r>
+              <a:rPr kumimoji="1" lang="zh-CN" altLang="en-US" sz="2400" strike="sngStrike" dirty="0" smtClean="0"/>
+              <a:t>测试人员将需要测试的版本从</a:t>
+            </a:r>
+            <a:r>
+              <a:rPr kumimoji="1" lang="en-US" altLang="zh-CN" sz="2400" strike="sngStrike" dirty="0" err="1" smtClean="0"/>
+              <a:t>dev</a:t>
+            </a:r>
+            <a:r>
+              <a:rPr kumimoji="1" lang="zh-CN" altLang="en-US" sz="2400" strike="sngStrike" dirty="0" smtClean="0"/>
+              <a:t>项目中移到</a:t>
+            </a:r>
+            <a:r>
+              <a:rPr kumimoji="1" lang="en-US" altLang="zh-CN" sz="2400" strike="sngStrike" dirty="0" smtClean="0"/>
+              <a:t>test</a:t>
+            </a:r>
+            <a:r>
+              <a:rPr kumimoji="1" lang="zh-CN" altLang="en-US" sz="2400" strike="sngStrike" dirty="0" smtClean="0"/>
+              <a:t>项目中</a:t>
+            </a:r>
+          </a:p>
+          <a:p>
+            <a:pPr marL="342900" indent="-342900">
+              <a:buAutoNum type="arabicPeriod"/>
+            </a:pPr>
+            <a:r>
+              <a:rPr kumimoji="1" lang="zh-CN" altLang="en-US" sz="2400" strike="sngStrike" dirty="0" smtClean="0"/>
+              <a:t>测试环境的</a:t>
+            </a:r>
+            <a:r>
+              <a:rPr kumimoji="1" lang="en-US" altLang="zh-CN" sz="2400" strike="sngStrike" dirty="0" smtClean="0"/>
+              <a:t>test</a:t>
+            </a:r>
+            <a:r>
+              <a:rPr kumimoji="1" lang="zh-CN" altLang="en-US" sz="2400" strike="sngStrike" dirty="0" smtClean="0"/>
+              <a:t>项目与生产环境中的</a:t>
+            </a:r>
+            <a:r>
+              <a:rPr kumimoji="1" lang="en-US" altLang="zh-CN" sz="2400" strike="sngStrike" dirty="0" smtClean="0"/>
+              <a:t>test</a:t>
+            </a:r>
+            <a:r>
+              <a:rPr kumimoji="1" lang="zh-CN" altLang="en-US" sz="2400" strike="sngStrike" dirty="0" smtClean="0"/>
+              <a:t>项目自动同步</a:t>
+            </a:r>
+          </a:p>
+          <a:p>
+            <a:pPr marL="342900" indent="-342900">
+              <a:buAutoNum type="arabicPeriod"/>
+            </a:pPr>
+            <a:r>
+              <a:rPr kumimoji="1" lang="zh-CN" altLang="en-US" sz="2400" strike="sngStrike" dirty="0" smtClean="0"/>
+              <a:t>线上运维人员将</a:t>
+            </a:r>
+            <a:r>
+              <a:rPr kumimoji="1" lang="en-US" altLang="zh-CN" sz="2400" strike="sngStrike" dirty="0" smtClean="0"/>
+              <a:t>test</a:t>
+            </a:r>
+            <a:r>
+              <a:rPr kumimoji="1" lang="zh-CN" altLang="en-US" sz="2400" strike="sngStrike" dirty="0" smtClean="0"/>
+              <a:t>项目中需要上线的版本移到</a:t>
+            </a:r>
+            <a:r>
+              <a:rPr kumimoji="1" lang="en-US" altLang="zh-CN" sz="2400" strike="sngStrike" dirty="0" err="1" smtClean="0"/>
+              <a:t>rel</a:t>
+            </a:r>
+            <a:r>
+              <a:rPr kumimoji="1" lang="zh-CN" altLang="en-US" sz="2400" strike="sngStrike" dirty="0" smtClean="0"/>
+              <a:t>目录中</a:t>
+            </a:r>
+          </a:p>
+          <a:p>
+            <a:pPr marL="342900" indent="-342900">
+              <a:buAutoNum type="arabicPeriod"/>
+            </a:pPr>
+            <a:r>
+              <a:rPr kumimoji="1" lang="zh-CN" altLang="en-US" sz="2400" strike="sngStrike" dirty="0" smtClean="0"/>
+              <a:t>三个仓库需要使用不同的主机名，并能相互解析</a:t>
+            </a:r>
+            <a:endParaRPr kumimoji="1" lang="zh-CN" altLang="en-US" sz="2400" strike="sngStrike" dirty="0"/>
           </a:p>
         </p:txBody>
       </p:sp>
     </p:spTree>
     <p:extLst>
       <p:ext uri="{BB962C8B-B14F-4D97-AF65-F5344CB8AC3E}">
-        <p14:creationId xmlns:p14="http://schemas.microsoft.com/office/powerpoint/2010/main" val="654887343"/>
+        <p14:creationId xmlns:p14="http://schemas.microsoft.com/office/powerpoint/2010/main" val="193047510"/>
       </p:ext>
     </p:extLst>
   </p:cSld>
@@ -5346,12 +5630,12 @@
       </p:grpSpPr>
       <p:sp>
         <p:nvSpPr>
-          <p:cNvPr id="2" name="标题 1"/>
-          <p:cNvSpPr>
-            <a:spLocks noGrp="1"/>
-          </p:cNvSpPr>
-          <p:nvPr>
-            <p:ph type="title"/>
+          <p:cNvPr id="3" name="内容占位符 2"/>
+          <p:cNvSpPr>
+            <a:spLocks noGrp="1"/>
+          </p:cNvSpPr>
+          <p:nvPr>
+            <p:ph idx="1"/>
           </p:nvPr>
         </p:nvSpPr>
         <p:spPr/>
@@ -5360,98 +5644,55 @@
           <a:lstStyle/>
           <a:p>
             <a:r>
+              <a:rPr kumimoji="1" lang="zh-CN" altLang="en-US" dirty="0"/>
+              <a:t>持续集成架构概览</a:t>
+            </a:r>
+          </a:p>
+          <a:p>
+            <a:r>
               <a:rPr kumimoji="1" lang="en-US" altLang="zh-CN" dirty="0" smtClean="0"/>
+              <a:t>CI</a:t>
+            </a:r>
+            <a:r>
+              <a:rPr kumimoji="1" lang="zh-CN" altLang="en-US" dirty="0" smtClean="0"/>
+              <a:t>使用</a:t>
+            </a:r>
+            <a:r>
+              <a:rPr kumimoji="1" lang="zh-CN" altLang="en-US" dirty="0"/>
+              <a:t>教程</a:t>
+            </a:r>
+          </a:p>
+          <a:p>
+            <a:r>
+              <a:rPr kumimoji="1" lang="zh-CN" altLang="en-US" dirty="0"/>
+              <a:t>开发人员行为准则</a:t>
+            </a:r>
+          </a:p>
+          <a:p>
+            <a:r>
+              <a:rPr kumimoji="1" lang="zh-CN" altLang="en-US" dirty="0"/>
+              <a:t>镜像交付</a:t>
+            </a:r>
+          </a:p>
+          <a:p>
+            <a:r>
+              <a:rPr kumimoji="1" lang="en-US" altLang="zh-CN" dirty="0">
+                <a:solidFill>
+                  <a:srgbClr val="FF0000"/>
+                </a:solidFill>
+              </a:rPr>
               <a:t>compose</a:t>
             </a:r>
             <a:r>
-              <a:rPr kumimoji="1" lang="zh-CN" altLang="en-US" dirty="0" smtClean="0"/>
+              <a:rPr kumimoji="1" lang="zh-CN" altLang="en-US" dirty="0">
+                <a:solidFill>
+                  <a:srgbClr val="FF0000"/>
+                </a:solidFill>
+              </a:rPr>
               <a:t>文件交付</a:t>
             </a:r>
-            <a:endParaRPr kumimoji="1" lang="zh-CN" altLang="en-US" dirty="0"/>
-          </a:p>
-        </p:txBody>
-      </p:sp>
-      <p:sp>
-        <p:nvSpPr>
-          <p:cNvPr id="3" name="内容占位符 2"/>
-          <p:cNvSpPr>
-            <a:spLocks noGrp="1"/>
-          </p:cNvSpPr>
-          <p:nvPr>
-            <p:ph idx="1"/>
-          </p:nvPr>
-        </p:nvSpPr>
-        <p:spPr/>
-        <p:txBody>
-          <a:bodyPr/>
-          <a:lstStyle/>
-          <a:p>
-            <a:r>
-              <a:rPr kumimoji="1" lang="zh-CN" altLang="en-US" dirty="0" smtClean="0"/>
-              <a:t>由于测试人员和线上部署人员只需要镜像与</a:t>
-            </a:r>
-            <a:r>
-              <a:rPr kumimoji="1" lang="en-US" altLang="zh-CN" dirty="0" smtClean="0"/>
-              <a:t>compose</a:t>
-            </a:r>
-            <a:r>
-              <a:rPr kumimoji="1" lang="zh-CN" altLang="en-US" dirty="0" smtClean="0"/>
-              <a:t>文件而不需要源代码。所以把所有项目的</a:t>
-            </a:r>
-            <a:r>
-              <a:rPr kumimoji="1" lang="en-US" altLang="zh-CN" dirty="0" smtClean="0"/>
-              <a:t>compose</a:t>
-            </a:r>
-            <a:r>
-              <a:rPr kumimoji="1" lang="zh-CN" altLang="en-US" dirty="0" smtClean="0"/>
-              <a:t>文件集合放在一个</a:t>
-            </a:r>
-            <a:r>
-              <a:rPr kumimoji="1" lang="en-US" altLang="zh-CN" dirty="0" err="1" smtClean="0"/>
-              <a:t>git</a:t>
-            </a:r>
-            <a:r>
-              <a:rPr kumimoji="1" lang="zh-CN" altLang="en-US" dirty="0" smtClean="0"/>
-              <a:t>项目里集中维护</a:t>
-            </a:r>
-          </a:p>
-          <a:p>
-            <a:r>
-              <a:rPr kumimoji="1" lang="zh-CN" altLang="en-US" dirty="0" smtClean="0"/>
-              <a:t>项目创建三个分支，</a:t>
-            </a:r>
-            <a:r>
-              <a:rPr kumimoji="1" lang="en-US" altLang="zh-CN" dirty="0" smtClean="0"/>
-              <a:t>master</a:t>
-            </a:r>
-            <a:r>
-              <a:rPr kumimoji="1" lang="zh-CN" altLang="en-US" dirty="0" smtClean="0"/>
-              <a:t>  </a:t>
-            </a:r>
-            <a:r>
-              <a:rPr kumimoji="1" lang="en-US" altLang="zh-CN" dirty="0" smtClean="0"/>
-              <a:t>test</a:t>
-            </a:r>
-            <a:r>
-              <a:rPr kumimoji="1" lang="zh-CN" altLang="en-US" dirty="0" smtClean="0"/>
-              <a:t> </a:t>
-            </a:r>
-            <a:r>
-              <a:rPr kumimoji="1" lang="en-US" altLang="zh-CN" dirty="0" err="1" smtClean="0"/>
-              <a:t>rel</a:t>
-            </a:r>
-            <a:r>
-              <a:rPr kumimoji="1" lang="zh-CN" altLang="en-US" dirty="0" smtClean="0"/>
-              <a:t>，分别对应三个环境的</a:t>
-            </a:r>
-            <a:r>
-              <a:rPr kumimoji="1" lang="en-US" altLang="zh-CN" dirty="0" smtClean="0"/>
-              <a:t>compose</a:t>
-            </a:r>
-            <a:r>
-              <a:rPr kumimoji="1" lang="zh-CN" altLang="en-US" dirty="0" smtClean="0"/>
-              <a:t>文件，三个分支永不合并。</a:t>
-            </a:r>
+          </a:p>
+          <a:p>
             <a:endParaRPr kumimoji="1" lang="zh-CN" altLang="en-US" dirty="0"/>
           </a:p>
         </p:txBody>
@@ -5459,7 +5700,7 @@
     </p:spTree>
     <p:extLst>
       <p:ext uri="{BB962C8B-B14F-4D97-AF65-F5344CB8AC3E}">
-        <p14:creationId xmlns:p14="http://schemas.microsoft.com/office/powerpoint/2010/main" val="1750659091"/>
+        <p14:creationId xmlns:p14="http://schemas.microsoft.com/office/powerpoint/2010/main" val="654887343"/>
       </p:ext>
     </p:extLst>
   </p:cSld>
@@ -5513,6 +5754,174 @@
           </a:p>
         </p:txBody>
       </p:sp>
+      <p:sp>
+        <p:nvSpPr>
+          <p:cNvPr id="3" name="内容占位符 2"/>
+          <p:cNvSpPr>
+            <a:spLocks noGrp="1"/>
+          </p:cNvSpPr>
+          <p:nvPr>
+            <p:ph idx="1"/>
+          </p:nvPr>
+        </p:nvSpPr>
+        <p:spPr/>
+        <p:txBody>
+          <a:bodyPr/>
+          <a:lstStyle/>
+          <a:p>
+            <a:r>
+              <a:rPr kumimoji="1" lang="zh-CN" altLang="en-US" dirty="0" smtClean="0"/>
+              <a:t>由于测试人员和线上部署人员只需要镜像与</a:t>
+            </a:r>
+            <a:r>
+              <a:rPr kumimoji="1" lang="en-US" altLang="zh-CN" dirty="0" smtClean="0"/>
+              <a:t>compose</a:t>
+            </a:r>
+            <a:r>
+              <a:rPr kumimoji="1" lang="zh-CN" altLang="en-US" dirty="0" smtClean="0"/>
+              <a:t>文件而不需要源代码。所以把所有项目的</a:t>
+            </a:r>
+            <a:r>
+              <a:rPr kumimoji="1" lang="en-US" altLang="zh-CN" dirty="0" smtClean="0"/>
+              <a:t>compose</a:t>
+            </a:r>
+            <a:r>
+              <a:rPr kumimoji="1" lang="zh-CN" altLang="en-US" dirty="0" smtClean="0"/>
+              <a:t>文件集合放在一个</a:t>
+            </a:r>
+            <a:r>
+              <a:rPr kumimoji="1" lang="en-US" altLang="zh-CN" dirty="0" err="1" smtClean="0"/>
+              <a:t>git</a:t>
+            </a:r>
+            <a:r>
+              <a:rPr kumimoji="1" lang="zh-CN" altLang="en-US" dirty="0" smtClean="0"/>
+              <a:t>项目里集中维护</a:t>
+            </a:r>
+          </a:p>
+          <a:p>
+            <a:r>
+              <a:rPr kumimoji="1" lang="zh-CN" altLang="en-US" dirty="0" smtClean="0"/>
+              <a:t>项目创建三个分支，</a:t>
+            </a:r>
+            <a:r>
+              <a:rPr kumimoji="1" lang="en-US" altLang="zh-CN" dirty="0" smtClean="0"/>
+              <a:t>master</a:t>
+            </a:r>
+            <a:r>
+              <a:rPr kumimoji="1" lang="zh-CN" altLang="en-US" dirty="0" smtClean="0"/>
+              <a:t>  </a:t>
+            </a:r>
+            <a:r>
+              <a:rPr kumimoji="1" lang="en-US" altLang="zh-CN" dirty="0" smtClean="0"/>
+              <a:t>test</a:t>
+            </a:r>
+            <a:r>
+              <a:rPr kumimoji="1" lang="zh-CN" altLang="en-US" dirty="0" smtClean="0"/>
+              <a:t> </a:t>
+            </a:r>
+            <a:r>
+              <a:rPr kumimoji="1" lang="en-US" altLang="zh-CN" dirty="0" err="1" smtClean="0"/>
+              <a:t>rel</a:t>
+            </a:r>
+            <a:r>
+              <a:rPr kumimoji="1" lang="zh-CN" altLang="en-US" dirty="0" smtClean="0"/>
+              <a:t>，分别对应三个环境的</a:t>
+            </a:r>
+            <a:r>
+              <a:rPr kumimoji="1" lang="en-US" altLang="zh-CN" dirty="0" smtClean="0"/>
+              <a:t>compose</a:t>
+            </a:r>
+            <a:r>
+              <a:rPr kumimoji="1" lang="zh-CN" altLang="en-US" dirty="0" smtClean="0"/>
+              <a:t>文件，三个分支永不合并</a:t>
+            </a:r>
+            <a:r>
+              <a:rPr kumimoji="1" lang="zh-CN" altLang="en-US" dirty="0" smtClean="0"/>
+              <a:t>。</a:t>
+            </a:r>
+          </a:p>
+          <a:p>
+            <a:r>
+              <a:rPr kumimoji="1" lang="zh-CN" altLang="en-US" dirty="0" smtClean="0"/>
+              <a:t>开发人员仅提供开发环境的</a:t>
+            </a:r>
+            <a:r>
+              <a:rPr kumimoji="1" lang="en-US" altLang="zh-CN" dirty="0" smtClean="0"/>
+              <a:t>compose</a:t>
+            </a:r>
+            <a:r>
+              <a:rPr kumimoji="1" lang="zh-CN" altLang="en-US" dirty="0" smtClean="0"/>
+              <a:t>文件或者</a:t>
+            </a:r>
+            <a:r>
+              <a:rPr kumimoji="1" lang="en-US" altLang="zh-CN" dirty="0" smtClean="0"/>
+              <a:t>compose</a:t>
+            </a:r>
+            <a:r>
+              <a:rPr kumimoji="1" lang="zh-CN" altLang="en-US" smtClean="0"/>
+              <a:t>文件模板</a:t>
+            </a:r>
+            <a:endParaRPr kumimoji="1" lang="zh-CN" altLang="en-US" dirty="0"/>
+          </a:p>
+        </p:txBody>
+      </p:sp>
+    </p:spTree>
+    <p:extLst>
+      <p:ext uri="{BB962C8B-B14F-4D97-AF65-F5344CB8AC3E}">
+        <p14:creationId xmlns:p14="http://schemas.microsoft.com/office/powerpoint/2010/main" val="1750659091"/>
+      </p:ext>
+    </p:extLst>
+  </p:cSld>
+  <p:clrMapOvr>
+    <a:masterClrMapping/>
+  </p:clrMapOvr>
+</p:sld>
+</file>
+
+<file path=ppt/slides/slide27.xml><?xml version="1.0" encoding="utf-8"?>
+<p:sld xmlns:a="http://schemas.openxmlformats.org/drawingml/2006/main" xmlns:r="http://schemas.openxmlformats.org/officeDocument/2006/relationships" xmlns:p="http://schemas.openxmlformats.org/presentationml/2006/main">
+  <p:cSld>
+    <p:spTree>
+      <p:nvGrpSpPr>
+        <p:cNvPr id="1" name=""/>
+        <p:cNvGrpSpPr/>
+        <p:nvPr/>
+      </p:nvGrpSpPr>
+      <p:grpSpPr>
+        <a:xfrm>
+          <a:off x="0" y="0"/>
+          <a:ext cx="0" cy="0"/>
+          <a:chOff x="0" y="0"/>
+          <a:chExt cx="0" cy="0"/>
+        </a:xfrm>
+      </p:grpSpPr>
+      <p:sp>
+        <p:nvSpPr>
+          <p:cNvPr id="2" name="标题 1"/>
+          <p:cNvSpPr>
+            <a:spLocks noGrp="1"/>
+          </p:cNvSpPr>
+          <p:nvPr>
+            <p:ph type="title"/>
+          </p:nvPr>
+        </p:nvSpPr>
+        <p:spPr/>
+        <p:txBody>
+          <a:bodyPr/>
+          <a:lstStyle/>
+          <a:p>
+            <a:r>
+              <a:rPr kumimoji="1" lang="en-US" altLang="zh-CN" dirty="0" smtClean="0"/>
+              <a:t>compose</a:t>
+            </a:r>
+            <a:r>
+              <a:rPr kumimoji="1" lang="zh-CN" altLang="en-US" dirty="0" smtClean="0"/>
+              <a:t>文件交付</a:t>
+            </a:r>
+            <a:endParaRPr kumimoji="1" lang="zh-CN" altLang="en-US" dirty="0"/>
+          </a:p>
+        </p:txBody>
+      </p:sp>
       <p:pic>
         <p:nvPicPr>
           <p:cNvPr id="4" name="图片 3"/>
@@ -5646,7 +6055,7 @@
 </p:sld>
 </file>
 
-<file path=ppt/slides/slide27.xml><?xml version="1.0" encoding="utf-8"?>
+<file path=ppt/slides/slide28.xml><?xml version="1.0" encoding="utf-8"?>
 <p:sld xmlns:a="http://schemas.openxmlformats.org/drawingml/2006/main" xmlns:r="http://schemas.openxmlformats.org/officeDocument/2006/relationships" xmlns:p="http://schemas.openxmlformats.org/presentationml/2006/main">
   <p:cSld>
     <p:spTree>
